--- a/docs/神经元网络.pptx
+++ b/docs/神经元网络.pptx
@@ -9,24 +9,20 @@
     <p:sldId id="257" r:id="rId3"/>
     <p:sldId id="259" r:id="rId4"/>
     <p:sldId id="258" r:id="rId5"/>
-    <p:sldId id="266" r:id="rId6"/>
-    <p:sldId id="264" r:id="rId7"/>
-    <p:sldId id="263" r:id="rId8"/>
-    <p:sldId id="265" r:id="rId9"/>
-    <p:sldId id="267" r:id="rId10"/>
-    <p:sldId id="269" r:id="rId11"/>
-    <p:sldId id="268" r:id="rId12"/>
-    <p:sldId id="278" r:id="rId13"/>
-    <p:sldId id="270" r:id="rId14"/>
-    <p:sldId id="271" r:id="rId15"/>
-    <p:sldId id="272" r:id="rId16"/>
-    <p:sldId id="273" r:id="rId17"/>
-    <p:sldId id="274" r:id="rId18"/>
-    <p:sldId id="276" r:id="rId19"/>
-    <p:sldId id="275" r:id="rId20"/>
-    <p:sldId id="277" r:id="rId21"/>
-    <p:sldId id="279" r:id="rId22"/>
-    <p:sldId id="280" r:id="rId23"/>
+    <p:sldId id="282" r:id="rId6"/>
+    <p:sldId id="284" r:id="rId7"/>
+    <p:sldId id="283" r:id="rId8"/>
+    <p:sldId id="267" r:id="rId9"/>
+    <p:sldId id="269" r:id="rId10"/>
+    <p:sldId id="272" r:id="rId11"/>
+    <p:sldId id="270" r:id="rId12"/>
+    <p:sldId id="271" r:id="rId13"/>
+    <p:sldId id="281" r:id="rId14"/>
+    <p:sldId id="264" r:id="rId15"/>
+    <p:sldId id="273" r:id="rId16"/>
+    <p:sldId id="285" r:id="rId17"/>
+    <p:sldId id="286" r:id="rId18"/>
+    <p:sldId id="287" r:id="rId19"/>
   </p:sldIdLst>
   <p:sldSz cx="9144000" cy="6858000" type="screen4x3"/>
   <p:notesSz cx="6858000" cy="9144000"/>
@@ -310,7 +306,7 @@
             <a:fld id="{ADE23717-BED1-4500-B578-0DA139FF39A3}" type="datetimeFigureOut">
               <a:rPr lang="zh-CN" altLang="en-US" smtClean="0"/>
               <a:pPr/>
-              <a:t>2018/1/9</a:t>
+              <a:t>2018/1/16</a:t>
             </a:fld>
             <a:endParaRPr lang="zh-CN" altLang="en-US"/>
           </a:p>
@@ -477,7 +473,7 @@
             <a:fld id="{ADE23717-BED1-4500-B578-0DA139FF39A3}" type="datetimeFigureOut">
               <a:rPr lang="zh-CN" altLang="en-US" smtClean="0"/>
               <a:pPr/>
-              <a:t>2018/1/9</a:t>
+              <a:t>2018/1/16</a:t>
             </a:fld>
             <a:endParaRPr lang="zh-CN" altLang="en-US"/>
           </a:p>
@@ -654,7 +650,7 @@
             <a:fld id="{ADE23717-BED1-4500-B578-0DA139FF39A3}" type="datetimeFigureOut">
               <a:rPr lang="zh-CN" altLang="en-US" smtClean="0"/>
               <a:pPr/>
-              <a:t>2018/1/9</a:t>
+              <a:t>2018/1/16</a:t>
             </a:fld>
             <a:endParaRPr lang="zh-CN" altLang="en-US"/>
           </a:p>
@@ -821,7 +817,7 @@
             <a:fld id="{ADE23717-BED1-4500-B578-0DA139FF39A3}" type="datetimeFigureOut">
               <a:rPr lang="zh-CN" altLang="en-US" smtClean="0"/>
               <a:pPr/>
-              <a:t>2018/1/9</a:t>
+              <a:t>2018/1/16</a:t>
             </a:fld>
             <a:endParaRPr lang="zh-CN" altLang="en-US"/>
           </a:p>
@@ -1064,7 +1060,7 @@
             <a:fld id="{ADE23717-BED1-4500-B578-0DA139FF39A3}" type="datetimeFigureOut">
               <a:rPr lang="zh-CN" altLang="en-US" smtClean="0"/>
               <a:pPr/>
-              <a:t>2018/1/9</a:t>
+              <a:t>2018/1/16</a:t>
             </a:fld>
             <a:endParaRPr lang="zh-CN" altLang="en-US"/>
           </a:p>
@@ -1349,7 +1345,7 @@
             <a:fld id="{ADE23717-BED1-4500-B578-0DA139FF39A3}" type="datetimeFigureOut">
               <a:rPr lang="zh-CN" altLang="en-US" smtClean="0"/>
               <a:pPr/>
-              <a:t>2018/1/9</a:t>
+              <a:t>2018/1/16</a:t>
             </a:fld>
             <a:endParaRPr lang="zh-CN" altLang="en-US"/>
           </a:p>
@@ -1768,7 +1764,7 @@
             <a:fld id="{ADE23717-BED1-4500-B578-0DA139FF39A3}" type="datetimeFigureOut">
               <a:rPr lang="zh-CN" altLang="en-US" smtClean="0"/>
               <a:pPr/>
-              <a:t>2018/1/9</a:t>
+              <a:t>2018/1/16</a:t>
             </a:fld>
             <a:endParaRPr lang="zh-CN" altLang="en-US"/>
           </a:p>
@@ -1883,7 +1879,7 @@
             <a:fld id="{ADE23717-BED1-4500-B578-0DA139FF39A3}" type="datetimeFigureOut">
               <a:rPr lang="zh-CN" altLang="en-US" smtClean="0"/>
               <a:pPr/>
-              <a:t>2018/1/9</a:t>
+              <a:t>2018/1/16</a:t>
             </a:fld>
             <a:endParaRPr lang="zh-CN" altLang="en-US"/>
           </a:p>
@@ -1975,7 +1971,7 @@
             <a:fld id="{ADE23717-BED1-4500-B578-0DA139FF39A3}" type="datetimeFigureOut">
               <a:rPr lang="zh-CN" altLang="en-US" smtClean="0"/>
               <a:pPr/>
-              <a:t>2018/1/9</a:t>
+              <a:t>2018/1/16</a:t>
             </a:fld>
             <a:endParaRPr lang="zh-CN" altLang="en-US"/>
           </a:p>
@@ -2249,7 +2245,7 @@
             <a:fld id="{ADE23717-BED1-4500-B578-0DA139FF39A3}" type="datetimeFigureOut">
               <a:rPr lang="zh-CN" altLang="en-US" smtClean="0"/>
               <a:pPr/>
-              <a:t>2018/1/9</a:t>
+              <a:t>2018/1/16</a:t>
             </a:fld>
             <a:endParaRPr lang="zh-CN" altLang="en-US"/>
           </a:p>
@@ -2499,7 +2495,7 @@
             <a:fld id="{ADE23717-BED1-4500-B578-0DA139FF39A3}" type="datetimeFigureOut">
               <a:rPr lang="zh-CN" altLang="en-US" smtClean="0"/>
               <a:pPr/>
-              <a:t>2018/1/9</a:t>
+              <a:t>2018/1/16</a:t>
             </a:fld>
             <a:endParaRPr lang="zh-CN" altLang="en-US"/>
           </a:p>
@@ -2709,7 +2705,7 @@
             <a:fld id="{ADE23717-BED1-4500-B578-0DA139FF39A3}" type="datetimeFigureOut">
               <a:rPr lang="zh-CN" altLang="en-US" smtClean="0"/>
               <a:pPr/>
-              <a:t>2018/1/9</a:t>
+              <a:t>2018/1/16</a:t>
             </a:fld>
             <a:endParaRPr lang="zh-CN" altLang="en-US"/>
           </a:p>
@@ -3095,7 +3091,23 @@
           <a:bodyPr/>
           <a:lstStyle/>
           <a:p>
-            <a:endParaRPr lang="zh-CN" altLang="en-US"/>
+            <a:r>
+              <a:rPr lang="zh-CN" altLang="en-US" dirty="0" smtClean="0"/>
+              <a:t>使用</a:t>
+            </a:r>
+            <a:r>
+              <a:rPr lang="en-US" altLang="zh-CN" dirty="0" err="1" smtClean="0"/>
+              <a:t>tensorflow</a:t>
+            </a:r>
+            <a:r>
+              <a:rPr lang="zh-CN" altLang="en-US" dirty="0" smtClean="0"/>
+              <a:t>实现神经元</a:t>
+            </a:r>
+            <a:r>
+              <a:rPr lang="zh-CN" altLang="en-US" dirty="0" smtClean="0"/>
+              <a:t>网络</a:t>
+            </a:r>
+            <a:endParaRPr lang="zh-CN" altLang="en-US" dirty="0"/>
           </a:p>
         </p:txBody>
       </p:sp>
@@ -3143,42 +3155,9 @@
           <a:chExt cx="0" cy="0"/>
         </a:xfrm>
       </p:grpSpPr>
-      <p:sp>
-        <p:nvSpPr>
-          <p:cNvPr id="2" name="标题 1"/>
-          <p:cNvSpPr>
-            <a:spLocks noGrp="1"/>
-          </p:cNvSpPr>
-          <p:nvPr>
-            <p:ph type="title"/>
-          </p:nvPr>
-        </p:nvSpPr>
-        <p:spPr/>
-        <p:txBody>
-          <a:bodyPr>
-            <a:normAutofit/>
-          </a:bodyPr>
-          <a:lstStyle/>
-          <a:p>
-            <a:r>
-              <a:rPr lang="zh-CN" altLang="en-US" dirty="0" smtClean="0"/>
-              <a:t>无监督学习</a:t>
-            </a:r>
-            <a:r>
-              <a:rPr lang="en-US" altLang="zh-CN" dirty="0" smtClean="0"/>
-              <a:t>-</a:t>
-            </a:r>
-            <a:r>
-              <a:rPr lang="zh-CN" altLang="en-US" dirty="0" smtClean="0"/>
-              <a:t>聚类</a:t>
-            </a:r>
-            <a:endParaRPr lang="zh-CN" altLang="en-US" dirty="0"/>
-          </a:p>
-        </p:txBody>
-      </p:sp>
       <p:pic>
         <p:nvPicPr>
-          <p:cNvPr id="23554" name="Picture 2" descr="neural network programming with java 2-3 的图像结果"/>
+          <p:cNvPr id="8194" name="Picture 2" descr="感知机 的图像结果"/>
           <p:cNvPicPr>
             <a:picLocks noChangeAspect="1" noChangeArrowheads="1"/>
           </p:cNvPicPr>
@@ -3193,8 +3172,8 @@
         </p:blipFill>
         <p:spPr bwMode="auto">
           <a:xfrm>
-            <a:off x="539552" y="1412776"/>
-            <a:ext cx="8062986" cy="4953784"/>
+            <a:off x="3779912" y="1556792"/>
+            <a:ext cx="5019675" cy="3295651"/>
           </a:xfrm>
           <a:prstGeom prst="rect">
             <a:avLst/>
@@ -3202,6 +3181,123 @@
           <a:noFill/>
         </p:spPr>
       </p:pic>
+      <p:sp>
+        <p:nvSpPr>
+          <p:cNvPr id="2" name="标题 1"/>
+          <p:cNvSpPr>
+            <a:spLocks noGrp="1"/>
+          </p:cNvSpPr>
+          <p:nvPr>
+            <p:ph type="title"/>
+          </p:nvPr>
+        </p:nvSpPr>
+        <p:spPr/>
+        <p:txBody>
+          <a:bodyPr/>
+          <a:lstStyle/>
+          <a:p>
+            <a:r>
+              <a:rPr lang="zh-CN" altLang="en-US" dirty="0" smtClean="0"/>
+              <a:t>单层神经网络</a:t>
+            </a:r>
+            <a:r>
+              <a:rPr lang="en-US" altLang="zh-CN" dirty="0" smtClean="0"/>
+              <a:t>-</a:t>
+            </a:r>
+            <a:r>
+              <a:rPr lang="zh-CN" altLang="en-US" dirty="0" smtClean="0"/>
+              <a:t>感知机</a:t>
+            </a:r>
+            <a:endParaRPr lang="zh-CN" altLang="en-US" dirty="0"/>
+          </a:p>
+        </p:txBody>
+      </p:sp>
+      <p:sp>
+        <p:nvSpPr>
+          <p:cNvPr id="3" name="内容占位符 2"/>
+          <p:cNvSpPr>
+            <a:spLocks noGrp="1"/>
+          </p:cNvSpPr>
+          <p:nvPr>
+            <p:ph idx="1"/>
+          </p:nvPr>
+        </p:nvSpPr>
+        <p:spPr>
+          <a:xfrm>
+            <a:off x="457200" y="1600200"/>
+            <a:ext cx="3826768" cy="4525963"/>
+          </a:xfrm>
+        </p:spPr>
+        <p:txBody>
+          <a:bodyPr/>
+          <a:lstStyle/>
+          <a:p>
+            <a:r>
+              <a:rPr lang="zh-CN" altLang="en-US" dirty="0" smtClean="0"/>
+              <a:t>最简单</a:t>
+            </a:r>
+            <a:r>
+              <a:rPr lang="zh-CN" altLang="en-US" dirty="0" smtClean="0"/>
+              <a:t>的</a:t>
+            </a:r>
+            <a:r>
+              <a:rPr lang="zh-CN" altLang="en-US" dirty="0" smtClean="0"/>
+              <a:t>神经网络</a:t>
+            </a:r>
+            <a:endParaRPr lang="en-US" altLang="zh-CN" dirty="0" smtClean="0"/>
+          </a:p>
+          <a:p>
+            <a:r>
+              <a:rPr lang="zh-CN" altLang="en-US" dirty="0" smtClean="0"/>
+              <a:t>没有隐藏层</a:t>
+            </a:r>
+            <a:endParaRPr lang="en-US" altLang="zh-CN" dirty="0" smtClean="0"/>
+          </a:p>
+          <a:p>
+            <a:r>
+              <a:rPr lang="zh-CN" altLang="en-US" dirty="0" smtClean="0"/>
+              <a:t>只有一个</a:t>
+            </a:r>
+            <a:r>
+              <a:rPr lang="zh-CN" altLang="en-US" dirty="0" smtClean="0"/>
+              <a:t>神经元</a:t>
+            </a:r>
+            <a:endParaRPr lang="en-US" altLang="zh-CN" dirty="0" smtClean="0"/>
+          </a:p>
+          <a:p>
+            <a:endParaRPr lang="en-US" altLang="zh-CN" dirty="0" smtClean="0"/>
+          </a:p>
+          <a:p>
+            <a:r>
+              <a:rPr lang="en-US" altLang="zh-CN" dirty="0" smtClean="0"/>
+              <a:t>Y = f</a:t>
+            </a:r>
+            <a:r>
+              <a:rPr lang="en-US" altLang="zh-CN" dirty="0" smtClean="0"/>
+              <a:t>(</a:t>
+            </a:r>
+            <a:r>
+              <a:rPr lang="en-US" altLang="zh-CN" dirty="0" err="1" smtClean="0"/>
+              <a:t>Wx+b</a:t>
+            </a:r>
+            <a:r>
+              <a:rPr lang="en-US" altLang="zh-CN" dirty="0" smtClean="0"/>
+              <a:t>)</a:t>
+            </a:r>
+          </a:p>
+          <a:p>
+            <a:r>
+              <a:rPr lang="en-US" altLang="zh-CN" dirty="0" smtClean="0"/>
+              <a:t>f </a:t>
+            </a:r>
+            <a:r>
+              <a:rPr lang="zh-CN" altLang="en-US" dirty="0" smtClean="0"/>
+              <a:t>激活函数</a:t>
+            </a:r>
+            <a:endParaRPr lang="zh-CN" altLang="en-US" dirty="0"/>
+          </a:p>
+        </p:txBody>
+      </p:sp>
     </p:spTree>
   </p:cSld>
   <p:clrMapOvr>
@@ -3211,140 +3307,6 @@
 </file>
 
 <file path=ppt/slides/slide11.xml><?xml version="1.0" encoding="utf-8"?>
-<p:sld xmlns:a="http://schemas.openxmlformats.org/drawingml/2006/main" xmlns:r="http://schemas.openxmlformats.org/officeDocument/2006/relationships" xmlns:p="http://schemas.openxmlformats.org/presentationml/2006/main">
-  <p:cSld>
-    <p:spTree>
-      <p:nvGrpSpPr>
-        <p:cNvPr id="1" name=""/>
-        <p:cNvGrpSpPr/>
-        <p:nvPr/>
-      </p:nvGrpSpPr>
-      <p:grpSpPr>
-        <a:xfrm>
-          <a:off x="0" y="0"/>
-          <a:ext cx="0" cy="0"/>
-          <a:chOff x="0" y="0"/>
-          <a:chExt cx="0" cy="0"/>
-        </a:xfrm>
-      </p:grpSpPr>
-      <p:sp>
-        <p:nvSpPr>
-          <p:cNvPr id="2" name="标题 1"/>
-          <p:cNvSpPr>
-            <a:spLocks noGrp="1"/>
-          </p:cNvSpPr>
-          <p:nvPr>
-            <p:ph type="title"/>
-          </p:nvPr>
-        </p:nvSpPr>
-        <p:spPr/>
-        <p:txBody>
-          <a:bodyPr/>
-          <a:lstStyle/>
-          <a:p>
-            <a:r>
-              <a:rPr lang="zh-CN" altLang="en-US" dirty="0" smtClean="0"/>
-              <a:t>学习算法流程</a:t>
-            </a:r>
-            <a:endParaRPr lang="zh-CN" altLang="en-US" dirty="0"/>
-          </a:p>
-        </p:txBody>
-      </p:sp>
-      <p:sp>
-        <p:nvSpPr>
-          <p:cNvPr id="3" name="内容占位符 2"/>
-          <p:cNvSpPr>
-            <a:spLocks noGrp="1"/>
-          </p:cNvSpPr>
-          <p:nvPr>
-            <p:ph idx="1"/>
-          </p:nvPr>
-        </p:nvSpPr>
-        <p:spPr/>
-        <p:txBody>
-          <a:bodyPr/>
-          <a:lstStyle/>
-          <a:p>
-            <a:endParaRPr lang="zh-CN" altLang="en-US"/>
-          </a:p>
-        </p:txBody>
-      </p:sp>
-    </p:spTree>
-  </p:cSld>
-  <p:clrMapOvr>
-    <a:masterClrMapping/>
-  </p:clrMapOvr>
-</p:sld>
-</file>
-
-<file path=ppt/slides/slide12.xml><?xml version="1.0" encoding="utf-8"?>
-<p:sld xmlns:a="http://schemas.openxmlformats.org/drawingml/2006/main" xmlns:r="http://schemas.openxmlformats.org/officeDocument/2006/relationships" xmlns:p="http://schemas.openxmlformats.org/presentationml/2006/main">
-  <p:cSld>
-    <p:spTree>
-      <p:nvGrpSpPr>
-        <p:cNvPr id="1" name=""/>
-        <p:cNvGrpSpPr/>
-        <p:nvPr/>
-      </p:nvGrpSpPr>
-      <p:grpSpPr>
-        <a:xfrm>
-          <a:off x="0" y="0"/>
-          <a:ext cx="0" cy="0"/>
-          <a:chOff x="0" y="0"/>
-          <a:chExt cx="0" cy="0"/>
-        </a:xfrm>
-      </p:grpSpPr>
-      <p:sp>
-        <p:nvSpPr>
-          <p:cNvPr id="2" name="标题 1"/>
-          <p:cNvSpPr>
-            <a:spLocks noGrp="1"/>
-          </p:cNvSpPr>
-          <p:nvPr>
-            <p:ph type="title"/>
-          </p:nvPr>
-        </p:nvSpPr>
-        <p:spPr/>
-        <p:txBody>
-          <a:bodyPr/>
-          <a:lstStyle/>
-          <a:p>
-            <a:r>
-              <a:rPr lang="zh-CN" altLang="en-US" dirty="0" smtClean="0"/>
-              <a:t>数据整理</a:t>
-            </a:r>
-            <a:endParaRPr lang="zh-CN" altLang="en-US" dirty="0"/>
-          </a:p>
-        </p:txBody>
-      </p:sp>
-      <p:sp>
-        <p:nvSpPr>
-          <p:cNvPr id="3" name="内容占位符 2"/>
-          <p:cNvSpPr>
-            <a:spLocks noGrp="1"/>
-          </p:cNvSpPr>
-          <p:nvPr>
-            <p:ph idx="1"/>
-          </p:nvPr>
-        </p:nvSpPr>
-        <p:spPr/>
-        <p:txBody>
-          <a:bodyPr/>
-          <a:lstStyle/>
-          <a:p>
-            <a:endParaRPr lang="zh-CN" altLang="en-US"/>
-          </a:p>
-        </p:txBody>
-      </p:sp>
-    </p:spTree>
-  </p:cSld>
-  <p:clrMapOvr>
-    <a:masterClrMapping/>
-  </p:clrMapOvr>
-</p:sld>
-</file>
-
-<file path=ppt/slides/slide13.xml><?xml version="1.0" encoding="utf-8"?>
 <p:sld xmlns:a="http://schemas.openxmlformats.org/drawingml/2006/main" xmlns:r="http://schemas.openxmlformats.org/officeDocument/2006/relationships" xmlns:p="http://schemas.openxmlformats.org/presentationml/2006/main">
   <p:cSld>
     <p:spTree>
@@ -3508,19 +3470,23 @@
               <a:rPr lang="en-US" altLang="zh-CN" baseline="-25000" dirty="0" err="1" smtClean="0"/>
               <a:t>i</a:t>
             </a:r>
-            <a:endParaRPr lang="en-US" altLang="zh-CN" baseline="-25000" dirty="0" smtClean="0"/>
-          </a:p>
-          <a:p>
-            <a:r>
-              <a:rPr lang="zh-CN" altLang="en-US" dirty="0" smtClean="0"/>
-              <a:t>最大迭代次数</a:t>
-            </a:r>
             <a:endParaRPr lang="en-US" altLang="zh-CN" dirty="0" smtClean="0"/>
           </a:p>
           <a:p>
-            <a:r>
-              <a:rPr lang="zh-CN" altLang="en-US" dirty="0" smtClean="0"/>
-              <a:t>代价函数：</a:t>
+            <a:endParaRPr lang="en-US" altLang="zh-CN" dirty="0" smtClean="0"/>
+          </a:p>
+          <a:p>
+            <a:r>
+              <a:rPr lang="zh-CN" altLang="en-US" dirty="0" smtClean="0"/>
+              <a:t>损失</a:t>
+            </a:r>
+            <a:r>
+              <a:rPr lang="zh-CN" altLang="en-US" dirty="0" smtClean="0"/>
+              <a:t>函数</a:t>
+            </a:r>
+            <a:r>
+              <a:rPr lang="zh-CN" altLang="en-US" dirty="0" smtClean="0"/>
+              <a:t>：</a:t>
             </a:r>
             <a:endParaRPr lang="en-US" altLang="zh-CN" dirty="0" smtClean="0"/>
           </a:p>
@@ -3690,7 +3656,7 @@
 </p:sld>
 </file>
 
-<file path=ppt/slides/slide14.xml><?xml version="1.0" encoding="utf-8"?>
+<file path=ppt/slides/slide12.xml><?xml version="1.0" encoding="utf-8"?>
 <p:sld xmlns:a="http://schemas.openxmlformats.org/drawingml/2006/main" xmlns:r="http://schemas.openxmlformats.org/officeDocument/2006/relationships" xmlns:p="http://schemas.openxmlformats.org/presentationml/2006/main">
   <p:cSld>
     <p:spTree>
@@ -3842,6 +3808,302 @@
 </p:sld>
 </file>
 
+<file path=ppt/slides/slide13.xml><?xml version="1.0" encoding="utf-8"?>
+<p:sld xmlns:a="http://schemas.openxmlformats.org/drawingml/2006/main" xmlns:r="http://schemas.openxmlformats.org/officeDocument/2006/relationships" xmlns:p="http://schemas.openxmlformats.org/presentationml/2006/main">
+  <p:cSld>
+    <p:spTree>
+      <p:nvGrpSpPr>
+        <p:cNvPr id="1" name=""/>
+        <p:cNvGrpSpPr/>
+        <p:nvPr/>
+      </p:nvGrpSpPr>
+      <p:grpSpPr>
+        <a:xfrm>
+          <a:off x="0" y="0"/>
+          <a:ext cx="0" cy="0"/>
+          <a:chOff x="0" y="0"/>
+          <a:chExt cx="0" cy="0"/>
+        </a:xfrm>
+      </p:grpSpPr>
+      <p:sp>
+        <p:nvSpPr>
+          <p:cNvPr id="2" name="标题 1"/>
+          <p:cNvSpPr>
+            <a:spLocks noGrp="1"/>
+          </p:cNvSpPr>
+          <p:nvPr>
+            <p:ph type="title"/>
+          </p:nvPr>
+        </p:nvSpPr>
+        <p:spPr/>
+        <p:txBody>
+          <a:bodyPr/>
+          <a:lstStyle/>
+          <a:p>
+            <a:r>
+              <a:rPr lang="zh-CN" altLang="en-US" dirty="0" smtClean="0"/>
+              <a:t>感知机局限性</a:t>
+            </a:r>
+            <a:endParaRPr lang="zh-CN" altLang="en-US" dirty="0"/>
+          </a:p>
+        </p:txBody>
+      </p:sp>
+      <p:sp>
+        <p:nvSpPr>
+          <p:cNvPr id="3" name="内容占位符 2"/>
+          <p:cNvSpPr>
+            <a:spLocks noGrp="1"/>
+          </p:cNvSpPr>
+          <p:nvPr>
+            <p:ph idx="1"/>
+          </p:nvPr>
+        </p:nvSpPr>
+        <p:spPr>
+          <a:xfrm>
+            <a:off x="457200" y="1600201"/>
+            <a:ext cx="8229600" cy="748680"/>
+          </a:xfrm>
+        </p:spPr>
+        <p:txBody>
+          <a:bodyPr/>
+          <a:lstStyle/>
+          <a:p>
+            <a:r>
+              <a:rPr lang="zh-CN" altLang="en-US" dirty="0" smtClean="0"/>
+              <a:t>仅对线性问题具有分类</a:t>
+            </a:r>
+            <a:r>
+              <a:rPr lang="zh-CN" altLang="en-US" dirty="0" smtClean="0"/>
+              <a:t>能力</a:t>
+            </a:r>
+            <a:endParaRPr lang="en-US" altLang="zh-CN" dirty="0" smtClean="0"/>
+          </a:p>
+          <a:p>
+            <a:endParaRPr lang="en-US" altLang="zh-CN" dirty="0" smtClean="0"/>
+          </a:p>
+          <a:p>
+            <a:endParaRPr lang="en-US" altLang="zh-CN" dirty="0" smtClean="0"/>
+          </a:p>
+          <a:p>
+            <a:endParaRPr lang="en-US" altLang="zh-CN" dirty="0" smtClean="0"/>
+          </a:p>
+          <a:p>
+            <a:endParaRPr lang="en-US" altLang="zh-CN" dirty="0" smtClean="0"/>
+          </a:p>
+          <a:p>
+            <a:endParaRPr lang="en-US" altLang="zh-CN" dirty="0" smtClean="0"/>
+          </a:p>
+          <a:p>
+            <a:endParaRPr lang="zh-CN" altLang="en-US" dirty="0"/>
+          </a:p>
+        </p:txBody>
+      </p:sp>
+      <p:pic>
+        <p:nvPicPr>
+          <p:cNvPr id="14338" name="Picture 2" descr="http://www.hahack.com/images/ann2/tZUEt.png"/>
+          <p:cNvPicPr>
+            <a:picLocks noChangeAspect="1" noChangeArrowheads="1"/>
+          </p:cNvPicPr>
+          <p:nvPr/>
+        </p:nvPicPr>
+        <p:blipFill>
+          <a:blip r:embed="rId2"/>
+          <a:srcRect/>
+          <a:stretch>
+            <a:fillRect/>
+          </a:stretch>
+        </p:blipFill>
+        <p:spPr bwMode="auto">
+          <a:xfrm>
+            <a:off x="971600" y="2996952"/>
+            <a:ext cx="3432380" cy="1728192"/>
+          </a:xfrm>
+          <a:prstGeom prst="rect">
+            <a:avLst/>
+          </a:prstGeom>
+          <a:noFill/>
+        </p:spPr>
+      </p:pic>
+      <p:pic>
+        <p:nvPicPr>
+          <p:cNvPr id="14340" name="Picture 4" descr="http://www.hahack.com/images/ann2/HmF6c.png"/>
+          <p:cNvPicPr>
+            <a:picLocks noChangeAspect="1" noChangeArrowheads="1"/>
+          </p:cNvPicPr>
+          <p:nvPr/>
+        </p:nvPicPr>
+        <p:blipFill>
+          <a:blip r:embed="rId3"/>
+          <a:srcRect/>
+          <a:stretch>
+            <a:fillRect/>
+          </a:stretch>
+        </p:blipFill>
+        <p:spPr bwMode="auto">
+          <a:xfrm>
+            <a:off x="4788024" y="2924945"/>
+            <a:ext cx="3184354" cy="1800200"/>
+          </a:xfrm>
+          <a:prstGeom prst="rect">
+            <a:avLst/>
+          </a:prstGeom>
+          <a:noFill/>
+        </p:spPr>
+      </p:pic>
+      <p:sp>
+        <p:nvSpPr>
+          <p:cNvPr id="6" name="TextBox 5"/>
+          <p:cNvSpPr txBox="1"/>
+          <p:nvPr/>
+        </p:nvSpPr>
+        <p:spPr>
+          <a:xfrm>
+            <a:off x="1979712" y="4797152"/>
+            <a:ext cx="1569660" cy="369332"/>
+          </a:xfrm>
+          <a:prstGeom prst="rect">
+            <a:avLst/>
+          </a:prstGeom>
+          <a:noFill/>
+        </p:spPr>
+        <p:txBody>
+          <a:bodyPr wrap="none" rtlCol="0">
+            <a:spAutoFit/>
+          </a:bodyPr>
+          <a:lstStyle/>
+          <a:p>
+            <a:r>
+              <a:rPr lang="zh-CN" altLang="en-US" dirty="0" smtClean="0"/>
+              <a:t>线性问题可解</a:t>
+            </a:r>
+            <a:endParaRPr lang="zh-CN" altLang="en-US" dirty="0"/>
+          </a:p>
+        </p:txBody>
+      </p:sp>
+      <p:sp>
+        <p:nvSpPr>
+          <p:cNvPr id="7" name="TextBox 6"/>
+          <p:cNvSpPr txBox="1"/>
+          <p:nvPr/>
+        </p:nvSpPr>
+        <p:spPr>
+          <a:xfrm>
+            <a:off x="5292080" y="4797152"/>
+            <a:ext cx="2262158" cy="369332"/>
+          </a:xfrm>
+          <a:prstGeom prst="rect">
+            <a:avLst/>
+          </a:prstGeom>
+          <a:noFill/>
+        </p:spPr>
+        <p:txBody>
+          <a:bodyPr wrap="none" rtlCol="0">
+            <a:spAutoFit/>
+          </a:bodyPr>
+          <a:lstStyle/>
+          <a:p>
+            <a:r>
+              <a:rPr lang="zh-CN" altLang="en-US" dirty="0" smtClean="0"/>
+              <a:t>非线性问题，不可解</a:t>
+            </a:r>
+            <a:endParaRPr lang="zh-CN" altLang="en-US" dirty="0"/>
+          </a:p>
+        </p:txBody>
+      </p:sp>
+    </p:spTree>
+  </p:cSld>
+  <p:clrMapOvr>
+    <a:masterClrMapping/>
+  </p:clrMapOvr>
+</p:sld>
+</file>
+
+<file path=ppt/slides/slide14.xml><?xml version="1.0" encoding="utf-8"?>
+<p:sld xmlns:a="http://schemas.openxmlformats.org/drawingml/2006/main" xmlns:r="http://schemas.openxmlformats.org/officeDocument/2006/relationships" xmlns:p="http://schemas.openxmlformats.org/presentationml/2006/main">
+  <p:cSld>
+    <p:spTree>
+      <p:nvGrpSpPr>
+        <p:cNvPr id="1" name=""/>
+        <p:cNvGrpSpPr/>
+        <p:nvPr/>
+      </p:nvGrpSpPr>
+      <p:grpSpPr>
+        <a:xfrm>
+          <a:off x="0" y="0"/>
+          <a:ext cx="0" cy="0"/>
+          <a:chOff x="0" y="0"/>
+          <a:chExt cx="0" cy="0"/>
+        </a:xfrm>
+      </p:grpSpPr>
+      <p:sp>
+        <p:nvSpPr>
+          <p:cNvPr id="2" name="标题 1"/>
+          <p:cNvSpPr>
+            <a:spLocks noGrp="1"/>
+          </p:cNvSpPr>
+          <p:nvPr>
+            <p:ph type="title"/>
+          </p:nvPr>
+        </p:nvSpPr>
+        <p:spPr/>
+        <p:txBody>
+          <a:bodyPr>
+            <a:normAutofit/>
+          </a:bodyPr>
+          <a:lstStyle/>
+          <a:p>
+            <a:r>
+              <a:rPr lang="zh-CN" altLang="en-US" dirty="0" smtClean="0"/>
+              <a:t>多</a:t>
+            </a:r>
+            <a:r>
+              <a:rPr lang="zh-CN" altLang="en-US" dirty="0" smtClean="0"/>
+              <a:t>层神经网络</a:t>
+            </a:r>
+            <a:endParaRPr lang="zh-CN" altLang="en-US" dirty="0"/>
+          </a:p>
+        </p:txBody>
+      </p:sp>
+      <p:pic>
+        <p:nvPicPr>
+          <p:cNvPr id="2049" name="Picture 1"/>
+          <p:cNvPicPr>
+            <a:picLocks noChangeAspect="1" noChangeArrowheads="1"/>
+          </p:cNvPicPr>
+          <p:nvPr/>
+        </p:nvPicPr>
+        <p:blipFill>
+          <a:blip r:embed="rId2"/>
+          <a:srcRect/>
+          <a:stretch>
+            <a:fillRect/>
+          </a:stretch>
+        </p:blipFill>
+        <p:spPr bwMode="auto">
+          <a:xfrm>
+            <a:off x="899592" y="1628800"/>
+            <a:ext cx="7426027" cy="4452294"/>
+          </a:xfrm>
+          <a:prstGeom prst="rect">
+            <a:avLst/>
+          </a:prstGeom>
+          <a:noFill/>
+          <a:ln w="9525">
+            <a:noFill/>
+            <a:miter lim="800000"/>
+            <a:headEnd/>
+            <a:tailEnd/>
+          </a:ln>
+        </p:spPr>
+      </p:pic>
+    </p:spTree>
+  </p:cSld>
+  <p:clrMapOvr>
+    <a:masterClrMapping/>
+  </p:clrMapOvr>
+</p:sld>
+</file>
+
 <file path=ppt/slides/slide15.xml><?xml version="1.0" encoding="utf-8"?>
 <p:sld xmlns:a="http://schemas.openxmlformats.org/drawingml/2006/main" xmlns:r="http://schemas.openxmlformats.org/officeDocument/2006/relationships" xmlns:p="http://schemas.openxmlformats.org/presentationml/2006/main">
   <p:cSld>
@@ -3876,7 +4138,11 @@
           <a:p>
             <a:r>
               <a:rPr lang="zh-CN" altLang="en-US" dirty="0" smtClean="0"/>
-              <a:t>感知机神经网络</a:t>
+              <a:t>多</a:t>
+            </a:r>
+            <a:r>
+              <a:rPr lang="zh-CN" altLang="en-US" dirty="0" smtClean="0"/>
+              <a:t>层神经网络</a:t>
             </a:r>
             <a:endParaRPr lang="zh-CN" altLang="en-US" dirty="0"/>
           </a:p>
@@ -3897,7 +4163,7 @@
           <a:bodyPr/>
           <a:lstStyle/>
           <a:p>
-            <a:endParaRPr lang="zh-CN" altLang="en-US"/>
+            <a:endParaRPr lang="zh-CN" altLang="en-US" dirty="0"/>
           </a:p>
         </p:txBody>
       </p:sp>
@@ -3942,8 +4208,16 @@
           <a:lstStyle/>
           <a:p>
             <a:r>
-              <a:rPr lang="zh-CN" altLang="en-US" dirty="0" smtClean="0"/>
-              <a:t>多层感知机</a:t>
+              <a:rPr lang="en-US" altLang="zh-CN" dirty="0" err="1" smtClean="0"/>
+              <a:t>Tensorflow</a:t>
+            </a:r>
+            <a:r>
+              <a:rPr lang="en-US" altLang="zh-CN" dirty="0" smtClean="0"/>
+              <a:t> </a:t>
+            </a:r>
+            <a:r>
+              <a:rPr lang="zh-CN" altLang="en-US" dirty="0" smtClean="0"/>
+              <a:t>运行步骤</a:t>
             </a:r>
             <a:endParaRPr lang="zh-CN" altLang="en-US" dirty="0"/>
           </a:p>
@@ -3964,7 +4238,44 @@
           <a:bodyPr/>
           <a:lstStyle/>
           <a:p>
-            <a:endParaRPr lang="zh-CN" altLang="en-US"/>
+            <a:r>
+              <a:rPr lang="zh-CN" altLang="en-US" dirty="0" smtClean="0"/>
+              <a:t>定义算法公式</a:t>
+            </a:r>
+            <a:endParaRPr lang="en-US" altLang="zh-CN" dirty="0" smtClean="0"/>
+          </a:p>
+          <a:p>
+            <a:r>
+              <a:rPr lang="zh-CN" altLang="en-US" dirty="0" smtClean="0"/>
+              <a:t>定义损失，选定优化器，使用优化器优化损失</a:t>
+            </a:r>
+            <a:endParaRPr lang="en-US" altLang="zh-CN" dirty="0" smtClean="0"/>
+          </a:p>
+          <a:p>
+            <a:r>
+              <a:rPr lang="zh-CN" altLang="en-US" dirty="0" smtClean="0"/>
+              <a:t>迭代的对数据进行训练</a:t>
+            </a:r>
+            <a:endParaRPr lang="en-US" altLang="zh-CN" dirty="0" smtClean="0"/>
+          </a:p>
+          <a:p>
+            <a:r>
+              <a:rPr lang="zh-CN" altLang="en-US" dirty="0" smtClean="0"/>
+              <a:t>在</a:t>
+            </a:r>
+            <a:r>
+              <a:rPr lang="zh-CN" altLang="en-US" dirty="0" smtClean="0"/>
+              <a:t>测试集</a:t>
+            </a:r>
+            <a:r>
+              <a:rPr lang="en-US" altLang="zh-CN" dirty="0" smtClean="0"/>
+              <a:t>&amp;</a:t>
+            </a:r>
+            <a:r>
+              <a:rPr lang="zh-CN" altLang="en-US" dirty="0" smtClean="0"/>
+              <a:t>验证集上对准确率进行评测</a:t>
+            </a:r>
+            <a:endParaRPr lang="zh-CN" altLang="en-US" dirty="0"/>
           </a:p>
         </p:txBody>
       </p:sp>
@@ -4010,15 +4321,15 @@
           <a:p>
             <a:r>
               <a:rPr lang="en-US" altLang="zh-CN" dirty="0" err="1" smtClean="0"/>
-              <a:t>Levenberg</a:t>
+              <a:t>Tensorflow</a:t>
             </a:r>
             <a:r>
               <a:rPr lang="en-US" altLang="zh-CN" dirty="0" smtClean="0"/>
-              <a:t>-Marquardt</a:t>
-            </a:r>
-            <a:r>
-              <a:rPr lang="zh-CN" altLang="en-US" dirty="0" smtClean="0"/>
-              <a:t>算法</a:t>
+              <a:t> </a:t>
+            </a:r>
+            <a:r>
+              <a:rPr lang="zh-CN" altLang="en-US" dirty="0" smtClean="0"/>
+              <a:t>示例一</a:t>
             </a:r>
             <a:endParaRPr lang="zh-CN" altLang="en-US" dirty="0"/>
           </a:p>
@@ -4039,10 +4350,42 @@
           <a:bodyPr/>
           <a:lstStyle/>
           <a:p>
-            <a:endParaRPr lang="zh-CN" altLang="en-US"/>
-          </a:p>
-        </p:txBody>
-      </p:sp>
+            <a:endParaRPr lang="zh-CN" altLang="en-US" dirty="0"/>
+          </a:p>
+        </p:txBody>
+      </p:sp>
+      <p:pic>
+        <p:nvPicPr>
+          <p:cNvPr id="43010" name="Picture 2"/>
+          <p:cNvPicPr>
+            <a:picLocks noChangeAspect="1" noChangeArrowheads="1"/>
+          </p:cNvPicPr>
+          <p:nvPr/>
+        </p:nvPicPr>
+        <p:blipFill>
+          <a:blip r:embed="rId2"/>
+          <a:srcRect/>
+          <a:stretch>
+            <a:fillRect/>
+          </a:stretch>
+        </p:blipFill>
+        <p:spPr bwMode="auto">
+          <a:xfrm>
+            <a:off x="539552" y="1628800"/>
+            <a:ext cx="3757984" cy="4344989"/>
+          </a:xfrm>
+          <a:prstGeom prst="rect">
+            <a:avLst/>
+          </a:prstGeom>
+          <a:noFill/>
+          <a:ln w="9525">
+            <a:noFill/>
+            <a:miter lim="800000"/>
+            <a:headEnd/>
+            <a:tailEnd/>
+          </a:ln>
+        </p:spPr>
+      </p:pic>
     </p:spTree>
   </p:cSld>
   <p:clrMapOvr>
@@ -4084,103 +4427,53 @@
           <a:lstStyle/>
           <a:p>
             <a:r>
-              <a:rPr lang="zh-CN" altLang="en-US" dirty="0" smtClean="0"/>
-              <a:t>竞争学习</a:t>
+              <a:rPr lang="en-US" altLang="zh-CN" dirty="0" err="1" smtClean="0"/>
+              <a:t>Tensorflow</a:t>
+            </a:r>
+            <a:r>
+              <a:rPr lang="en-US" altLang="zh-CN" dirty="0" smtClean="0"/>
+              <a:t> </a:t>
+            </a:r>
+            <a:r>
+              <a:rPr lang="zh-CN" altLang="en-US" dirty="0" smtClean="0"/>
+              <a:t>示例二</a:t>
             </a:r>
             <a:endParaRPr lang="zh-CN" altLang="en-US" dirty="0"/>
           </a:p>
         </p:txBody>
       </p:sp>
-      <p:sp>
-        <p:nvSpPr>
-          <p:cNvPr id="3" name="内容占位符 2"/>
-          <p:cNvSpPr>
-            <a:spLocks noGrp="1"/>
-          </p:cNvSpPr>
-          <p:nvPr>
-            <p:ph idx="1"/>
-          </p:nvPr>
-        </p:nvSpPr>
-        <p:spPr/>
-        <p:txBody>
-          <a:bodyPr/>
-          <a:lstStyle/>
-          <a:p>
-            <a:endParaRPr lang="zh-CN" altLang="en-US"/>
-          </a:p>
-        </p:txBody>
-      </p:sp>
-    </p:spTree>
-  </p:cSld>
-  <p:clrMapOvr>
-    <a:masterClrMapping/>
-  </p:clrMapOvr>
-</p:sld>
-</file>
-
-<file path=ppt/slides/slide19.xml><?xml version="1.0" encoding="utf-8"?>
-<p:sld xmlns:a="http://schemas.openxmlformats.org/drawingml/2006/main" xmlns:r="http://schemas.openxmlformats.org/officeDocument/2006/relationships" xmlns:p="http://schemas.openxmlformats.org/presentationml/2006/main">
-  <p:cSld>
-    <p:spTree>
-      <p:nvGrpSpPr>
-        <p:cNvPr id="1" name=""/>
-        <p:cNvGrpSpPr/>
-        <p:nvPr/>
-      </p:nvGrpSpPr>
-      <p:grpSpPr>
-        <a:xfrm>
-          <a:off x="0" y="0"/>
-          <a:ext cx="0" cy="0"/>
-          <a:chOff x="0" y="0"/>
-          <a:chExt cx="0" cy="0"/>
-        </a:xfrm>
-      </p:grpSpPr>
-      <p:sp>
-        <p:nvSpPr>
-          <p:cNvPr id="2" name="标题 1"/>
-          <p:cNvSpPr>
-            <a:spLocks noGrp="1"/>
-          </p:cNvSpPr>
-          <p:nvPr>
-            <p:ph type="title"/>
-          </p:nvPr>
-        </p:nvSpPr>
-        <p:spPr/>
-        <p:txBody>
-          <a:bodyPr/>
-          <a:lstStyle/>
-          <a:p>
-            <a:r>
-              <a:rPr lang="en-US" altLang="zh-CN" dirty="0" err="1" smtClean="0"/>
-              <a:t>Kohonen</a:t>
-            </a:r>
-            <a:r>
-              <a:rPr lang="zh-CN" altLang="en-US" dirty="0" smtClean="0"/>
-              <a:t>自组织映射神经网络</a:t>
-            </a:r>
-            <a:endParaRPr lang="zh-CN" altLang="en-US" dirty="0"/>
-          </a:p>
-        </p:txBody>
-      </p:sp>
-      <p:sp>
-        <p:nvSpPr>
-          <p:cNvPr id="3" name="内容占位符 2"/>
-          <p:cNvSpPr>
-            <a:spLocks noGrp="1"/>
-          </p:cNvSpPr>
-          <p:nvPr>
-            <p:ph idx="1"/>
-          </p:nvPr>
-        </p:nvSpPr>
-        <p:spPr/>
-        <p:txBody>
-          <a:bodyPr/>
-          <a:lstStyle/>
-          <a:p>
-            <a:endParaRPr lang="zh-CN" altLang="en-US"/>
-          </a:p>
-        </p:txBody>
-      </p:sp>
+      <p:pic>
+        <p:nvPicPr>
+          <p:cNvPr id="44034" name="Picture 2"/>
+          <p:cNvPicPr>
+            <a:picLocks noChangeAspect="1" noChangeArrowheads="1"/>
+          </p:cNvPicPr>
+          <p:nvPr/>
+        </p:nvPicPr>
+        <p:blipFill>
+          <a:blip r:embed="rId2"/>
+          <a:srcRect/>
+          <a:stretch>
+            <a:fillRect/>
+          </a:stretch>
+        </p:blipFill>
+        <p:spPr bwMode="auto">
+          <a:xfrm>
+            <a:off x="467544" y="1556792"/>
+            <a:ext cx="3513385" cy="4197599"/>
+          </a:xfrm>
+          <a:prstGeom prst="rect">
+            <a:avLst/>
+          </a:prstGeom>
+          <a:noFill/>
+          <a:ln w="9525">
+            <a:noFill/>
+            <a:miter lim="800000"/>
+            <a:headEnd/>
+            <a:tailEnd/>
+          </a:ln>
+        </p:spPr>
+      </p:pic>
     </p:spTree>
   </p:cSld>
   <p:clrMapOvr>
@@ -4260,233 +4553,28 @@
           <a:p>
             <a:r>
               <a:rPr lang="zh-CN" altLang="en-US" dirty="0" smtClean="0"/>
-              <a:t>输入层</a:t>
+              <a:t>训练优化器</a:t>
+            </a:r>
+          </a:p>
+          <a:p>
+            <a:r>
+              <a:rPr lang="zh-CN" altLang="en-US" dirty="0" smtClean="0"/>
+              <a:t>损失函数</a:t>
             </a:r>
             <a:endParaRPr lang="en-US" altLang="zh-CN" dirty="0" smtClean="0"/>
           </a:p>
           <a:p>
             <a:r>
               <a:rPr lang="zh-CN" altLang="en-US" dirty="0" smtClean="0"/>
-              <a:t>隐藏层</a:t>
-            </a:r>
+              <a:t>层</a:t>
+            </a:r>
+            <a:endParaRPr lang="en-US" altLang="zh-CN" dirty="0"/>
+          </a:p>
+          <a:p>
             <a:endParaRPr lang="en-US" altLang="zh-CN" dirty="0" smtClean="0"/>
           </a:p>
           <a:p>
-            <a:r>
-              <a:rPr lang="zh-CN" altLang="en-US" dirty="0" smtClean="0"/>
-              <a:t>输出层</a:t>
-            </a:r>
-            <a:endParaRPr lang="en-US" altLang="zh-CN" dirty="0" smtClean="0"/>
-          </a:p>
-          <a:p>
-            <a:endParaRPr lang="en-US" altLang="zh-CN" dirty="0"/>
-          </a:p>
-          <a:p>
-            <a:endParaRPr lang="en-US" altLang="zh-CN" dirty="0" smtClean="0"/>
-          </a:p>
-          <a:p>
             <a:endParaRPr lang="zh-CN" altLang="en-US" dirty="0"/>
-          </a:p>
-        </p:txBody>
-      </p:sp>
-    </p:spTree>
-  </p:cSld>
-  <p:clrMapOvr>
-    <a:masterClrMapping/>
-  </p:clrMapOvr>
-</p:sld>
-</file>
-
-<file path=ppt/slides/slide20.xml><?xml version="1.0" encoding="utf-8"?>
-<p:sld xmlns:a="http://schemas.openxmlformats.org/drawingml/2006/main" xmlns:r="http://schemas.openxmlformats.org/officeDocument/2006/relationships" xmlns:p="http://schemas.openxmlformats.org/presentationml/2006/main">
-  <p:cSld>
-    <p:spTree>
-      <p:nvGrpSpPr>
-        <p:cNvPr id="1" name=""/>
-        <p:cNvGrpSpPr/>
-        <p:nvPr/>
-      </p:nvGrpSpPr>
-      <p:grpSpPr>
-        <a:xfrm>
-          <a:off x="0" y="0"/>
-          <a:ext cx="0" cy="0"/>
-          <a:chOff x="0" y="0"/>
-          <a:chExt cx="0" cy="0"/>
-        </a:xfrm>
-      </p:grpSpPr>
-      <p:sp>
-        <p:nvSpPr>
-          <p:cNvPr id="2" name="标题 1"/>
-          <p:cNvSpPr>
-            <a:spLocks noGrp="1"/>
-          </p:cNvSpPr>
-          <p:nvPr>
-            <p:ph type="title"/>
-          </p:nvPr>
-        </p:nvSpPr>
-        <p:spPr/>
-        <p:txBody>
-          <a:bodyPr/>
-          <a:lstStyle/>
-          <a:p>
-            <a:r>
-              <a:rPr lang="zh-CN" altLang="en-US" dirty="0" smtClean="0"/>
-              <a:t>径向基函数神经网络</a:t>
-            </a:r>
-            <a:endParaRPr lang="zh-CN" altLang="en-US" dirty="0"/>
-          </a:p>
-        </p:txBody>
-      </p:sp>
-      <p:sp>
-        <p:nvSpPr>
-          <p:cNvPr id="3" name="内容占位符 2"/>
-          <p:cNvSpPr>
-            <a:spLocks noGrp="1"/>
-          </p:cNvSpPr>
-          <p:nvPr>
-            <p:ph idx="1"/>
-          </p:nvPr>
-        </p:nvSpPr>
-        <p:spPr/>
-        <p:txBody>
-          <a:bodyPr/>
-          <a:lstStyle/>
-          <a:p>
-            <a:endParaRPr lang="zh-CN" altLang="en-US"/>
-          </a:p>
-        </p:txBody>
-      </p:sp>
-    </p:spTree>
-  </p:cSld>
-  <p:clrMapOvr>
-    <a:masterClrMapping/>
-  </p:clrMapOvr>
-</p:sld>
-</file>
-
-<file path=ppt/slides/slide21.xml><?xml version="1.0" encoding="utf-8"?>
-<p:sld xmlns:a="http://schemas.openxmlformats.org/drawingml/2006/main" xmlns:r="http://schemas.openxmlformats.org/officeDocument/2006/relationships" xmlns:p="http://schemas.openxmlformats.org/presentationml/2006/main">
-  <p:cSld>
-    <p:spTree>
-      <p:nvGrpSpPr>
-        <p:cNvPr id="1" name=""/>
-        <p:cNvGrpSpPr/>
-        <p:nvPr/>
-      </p:nvGrpSpPr>
-      <p:grpSpPr>
-        <a:xfrm>
-          <a:off x="0" y="0"/>
-          <a:ext cx="0" cy="0"/>
-          <a:chOff x="0" y="0"/>
-          <a:chExt cx="0" cy="0"/>
-        </a:xfrm>
-      </p:grpSpPr>
-      <p:sp>
-        <p:nvSpPr>
-          <p:cNvPr id="2" name="标题 1"/>
-          <p:cNvSpPr>
-            <a:spLocks noGrp="1"/>
-          </p:cNvSpPr>
-          <p:nvPr>
-            <p:ph type="title"/>
-          </p:nvPr>
-        </p:nvSpPr>
-        <p:spPr/>
-        <p:txBody>
-          <a:bodyPr/>
-          <a:lstStyle/>
-          <a:p>
-            <a:r>
-              <a:rPr lang="zh-CN" altLang="en-US" dirty="0" smtClean="0"/>
-              <a:t>增量学习</a:t>
-            </a:r>
-            <a:endParaRPr lang="zh-CN" altLang="en-US" dirty="0"/>
-          </a:p>
-        </p:txBody>
-      </p:sp>
-      <p:sp>
-        <p:nvSpPr>
-          <p:cNvPr id="3" name="内容占位符 2"/>
-          <p:cNvSpPr>
-            <a:spLocks noGrp="1"/>
-          </p:cNvSpPr>
-          <p:nvPr>
-            <p:ph idx="1"/>
-          </p:nvPr>
-        </p:nvSpPr>
-        <p:spPr/>
-        <p:txBody>
-          <a:bodyPr/>
-          <a:lstStyle/>
-          <a:p>
-            <a:endParaRPr lang="zh-CN" altLang="en-US"/>
-          </a:p>
-        </p:txBody>
-      </p:sp>
-    </p:spTree>
-  </p:cSld>
-  <p:clrMapOvr>
-    <a:masterClrMapping/>
-  </p:clrMapOvr>
-</p:sld>
-</file>
-
-<file path=ppt/slides/slide22.xml><?xml version="1.0" encoding="utf-8"?>
-<p:sld xmlns:a="http://schemas.openxmlformats.org/drawingml/2006/main" xmlns:r="http://schemas.openxmlformats.org/officeDocument/2006/relationships" xmlns:p="http://schemas.openxmlformats.org/presentationml/2006/main">
-  <p:cSld>
-    <p:spTree>
-      <p:nvGrpSpPr>
-        <p:cNvPr id="1" name=""/>
-        <p:cNvGrpSpPr/>
-        <p:nvPr/>
-      </p:nvGrpSpPr>
-      <p:grpSpPr>
-        <a:xfrm>
-          <a:off x="0" y="0"/>
-          <a:ext cx="0" cy="0"/>
-          <a:chOff x="0" y="0"/>
-          <a:chExt cx="0" cy="0"/>
-        </a:xfrm>
-      </p:grpSpPr>
-      <p:sp>
-        <p:nvSpPr>
-          <p:cNvPr id="2" name="标题 1"/>
-          <p:cNvSpPr>
-            <a:spLocks noGrp="1"/>
-          </p:cNvSpPr>
-          <p:nvPr>
-            <p:ph type="title"/>
-          </p:nvPr>
-        </p:nvSpPr>
-        <p:spPr/>
-        <p:txBody>
-          <a:bodyPr/>
-          <a:lstStyle/>
-          <a:p>
-            <a:r>
-              <a:rPr lang="zh-CN" altLang="en-US" smtClean="0"/>
-              <a:t>在线学习</a:t>
-            </a:r>
-            <a:endParaRPr lang="zh-CN" altLang="en-US" dirty="0"/>
-          </a:p>
-        </p:txBody>
-      </p:sp>
-      <p:sp>
-        <p:nvSpPr>
-          <p:cNvPr id="3" name="内容占位符 2"/>
-          <p:cNvSpPr>
-            <a:spLocks noGrp="1"/>
-          </p:cNvSpPr>
-          <p:nvPr>
-            <p:ph idx="1"/>
-          </p:nvPr>
-        </p:nvSpPr>
-        <p:spPr/>
-        <p:txBody>
-          <a:bodyPr/>
-          <a:lstStyle/>
-          <a:p>
-            <a:endParaRPr lang="zh-CN" altLang="en-US"/>
           </a:p>
         </p:txBody>
       </p:sp>
@@ -4573,24 +4661,6 @@
             </a:r>
             <a:endParaRPr lang="en-US" altLang="zh-CN" dirty="0" smtClean="0"/>
           </a:p>
-          <a:p>
-            <a:r>
-              <a:rPr lang="zh-CN" altLang="en-US" dirty="0" smtClean="0"/>
-              <a:t>输出权值</a:t>
-            </a:r>
-            <a:endParaRPr lang="en-US" altLang="zh-CN" dirty="0" smtClean="0"/>
-          </a:p>
-          <a:p>
-            <a:r>
-              <a:rPr lang="zh-CN" altLang="en-US" dirty="0" smtClean="0"/>
-              <a:t>若干</a:t>
-            </a:r>
-            <a:r>
-              <a:rPr lang="zh-CN" altLang="en-US" dirty="0" smtClean="0"/>
-              <a:t>个输出</a:t>
-            </a:r>
-            <a:endParaRPr lang="zh-CN" altLang="en-US" dirty="0"/>
-          </a:p>
         </p:txBody>
       </p:sp>
       <p:pic>
@@ -4610,8 +4680,8 @@
         </p:blipFill>
         <p:spPr bwMode="auto">
           <a:xfrm>
-            <a:off x="4860032" y="2060848"/>
-            <a:ext cx="2857500" cy="2038350"/>
+            <a:off x="3347864" y="1916832"/>
+            <a:ext cx="4138778" cy="2952328"/>
           </a:xfrm>
           <a:prstGeom prst="rect">
             <a:avLst/>
@@ -4680,17 +4750,13 @@
         <p:spPr/>
         <p:txBody>
           <a:bodyPr>
-            <a:normAutofit/>
+            <a:normAutofit lnSpcReduction="10000"/>
           </a:bodyPr>
           <a:lstStyle/>
           <a:p>
             <a:r>
               <a:rPr lang="en-US" altLang="zh-CN" dirty="0" smtClean="0"/>
-              <a:t>S</a:t>
-            </a:r>
-            <a:r>
-              <a:rPr lang="zh-CN" altLang="en-US" dirty="0" smtClean="0"/>
-              <a:t>函数</a:t>
+              <a:t>Sigmoid</a:t>
             </a:r>
             <a:endParaRPr lang="en-US" altLang="zh-CN" dirty="0" smtClean="0"/>
           </a:p>
@@ -4703,11 +4769,7 @@
           <a:p>
             <a:r>
               <a:rPr lang="zh-CN" altLang="en-US" dirty="0" smtClean="0"/>
-              <a:t>双</a:t>
-            </a:r>
-            <a:r>
-              <a:rPr lang="zh-CN" altLang="en-US" dirty="0" smtClean="0"/>
-              <a:t>曲正切函数</a:t>
+              <a:t>双曲正切函数</a:t>
             </a:r>
             <a:endParaRPr lang="en-US" altLang="zh-CN" dirty="0" smtClean="0"/>
           </a:p>
@@ -4715,9 +4777,16 @@
             <a:endParaRPr lang="en-US" altLang="zh-CN" dirty="0" smtClean="0"/>
           </a:p>
           <a:p>
-            <a:r>
-              <a:rPr lang="zh-CN" altLang="en-US" dirty="0" smtClean="0"/>
-              <a:t>阈值函数</a:t>
+            <a:endParaRPr lang="en-US" altLang="zh-CN" dirty="0" smtClean="0"/>
+          </a:p>
+          <a:p>
+            <a:r>
+              <a:rPr lang="zh-CN" altLang="en-US" dirty="0" smtClean="0"/>
+              <a:t>阈值</a:t>
+            </a:r>
+            <a:r>
+              <a:rPr lang="zh-CN" altLang="en-US" dirty="0" smtClean="0"/>
+              <a:t>函数</a:t>
             </a:r>
             <a:endParaRPr lang="en-US" altLang="zh-CN" dirty="0" smtClean="0"/>
           </a:p>
@@ -4756,7 +4825,7 @@
         </p:blipFill>
         <p:spPr bwMode="auto">
           <a:xfrm>
-            <a:off x="2915816" y="3717032"/>
+            <a:off x="2771800" y="4077072"/>
             <a:ext cx="3362325" cy="1133475"/>
           </a:xfrm>
           <a:prstGeom prst="rect">
@@ -4913,7 +4982,7 @@
         </p:blipFill>
         <p:spPr bwMode="auto">
           <a:xfrm>
-            <a:off x="3203848" y="5229200"/>
+            <a:off x="3491880" y="5517232"/>
             <a:ext cx="1409700" cy="390525"/>
           </a:xfrm>
           <a:prstGeom prst="rect">
@@ -5063,8 +5132,34 @@
         </p:blipFill>
         <p:spPr bwMode="auto">
           <a:xfrm>
-            <a:off x="3635896" y="2636912"/>
+            <a:off x="1259632" y="3284984"/>
             <a:ext cx="2085975" cy="762000"/>
+          </a:xfrm>
+          <a:prstGeom prst="rect">
+            <a:avLst/>
+          </a:prstGeom>
+          <a:noFill/>
+        </p:spPr>
+      </p:pic>
+      <p:pic>
+        <p:nvPicPr>
+          <p:cNvPr id="26626" name="Picture 2" descr="https://images0.cnblogs.com/blog2015/678029/201504/241221240623467.png"/>
+          <p:cNvPicPr>
+            <a:picLocks noChangeAspect="1" noChangeArrowheads="1"/>
+          </p:cNvPicPr>
+          <p:nvPr/>
+        </p:nvPicPr>
+        <p:blipFill>
+          <a:blip r:embed="rId6"/>
+          <a:srcRect/>
+          <a:stretch>
+            <a:fillRect/>
+          </a:stretch>
+        </p:blipFill>
+        <p:spPr bwMode="auto">
+          <a:xfrm>
+            <a:off x="5652120" y="1484784"/>
+            <a:ext cx="3258886" cy="2448272"/>
           </a:xfrm>
           <a:prstGeom prst="rect">
             <a:avLst/>
@@ -5114,15 +5209,11 @@
           <a:p>
             <a:r>
               <a:rPr lang="zh-CN" altLang="en-US" dirty="0" smtClean="0"/>
-              <a:t>神经网络结构</a:t>
-            </a:r>
-            <a:r>
-              <a:rPr lang="en-US" altLang="zh-CN" dirty="0" smtClean="0"/>
-              <a:t>-</a:t>
-            </a:r>
-            <a:r>
-              <a:rPr lang="zh-CN" altLang="en-US" dirty="0" smtClean="0"/>
-              <a:t>单层神经网络</a:t>
+              <a:t>激活函数</a:t>
+            </a:r>
+            <a:r>
+              <a:rPr lang="zh-CN" altLang="en-US" dirty="0" smtClean="0"/>
+              <a:t>类型</a:t>
             </a:r>
             <a:endParaRPr lang="zh-CN" altLang="en-US" dirty="0"/>
           </a:p>
@@ -5144,16 +5235,79 @@
           <a:lstStyle/>
           <a:p>
             <a:r>
-              <a:rPr lang="zh-CN" altLang="en-US" dirty="0" smtClean="0"/>
-              <a:t>单个隐藏层</a:t>
-            </a:r>
+              <a:rPr lang="en-US" dirty="0" err="1" smtClean="0"/>
+              <a:t>ReLU</a:t>
+            </a:r>
+            <a:r>
+              <a:rPr lang="en-US" dirty="0" smtClean="0"/>
+              <a:t>  </a:t>
+            </a:r>
+            <a:r>
+              <a:rPr lang="en-US" sz="2400" dirty="0" smtClean="0"/>
+              <a:t>f(x) = max(0,x)</a:t>
+            </a:r>
+            <a:r>
+              <a:rPr lang="en-US" dirty="0" smtClean="0"/>
+              <a:t/>
+            </a:r>
+            <a:br>
+              <a:rPr lang="en-US" dirty="0" smtClean="0"/>
+            </a:br>
+            <a:endParaRPr lang="en-US" dirty="0" smtClean="0"/>
+          </a:p>
+          <a:p>
+            <a:r>
+              <a:rPr lang="en-US" dirty="0" err="1" smtClean="0"/>
+              <a:t>Softplus</a:t>
+            </a:r>
+            <a:r>
+              <a:rPr lang="en-US" dirty="0" smtClean="0"/>
+              <a:t> </a:t>
+            </a:r>
+            <a:r>
+              <a:rPr lang="en-US" sz="2400" dirty="0" smtClean="0"/>
+              <a:t>f(x)=log(1+e</a:t>
+            </a:r>
+            <a:r>
+              <a:rPr lang="en-US" sz="2400" baseline="30000" dirty="0" smtClean="0"/>
+              <a:t>x</a:t>
+            </a:r>
+            <a:r>
+              <a:rPr lang="en-US" sz="2400" dirty="0" smtClean="0"/>
+              <a:t>)</a:t>
+            </a:r>
+          </a:p>
+          <a:p>
+            <a:endParaRPr lang="en-US" sz="2400" dirty="0" smtClean="0"/>
+          </a:p>
+          <a:p>
+            <a:r>
+              <a:rPr lang="en-US" dirty="0" err="1" smtClean="0"/>
+              <a:t>Softmax</a:t>
+            </a:r>
+            <a:endParaRPr lang="en-US" dirty="0" smtClean="0"/>
+          </a:p>
+          <a:p>
+            <a:pPr>
+              <a:buNone/>
+            </a:pPr>
+            <a:r>
+              <a:rPr lang="en-US" dirty="0" smtClean="0"/>
+              <a:t/>
+            </a:r>
+            <a:br>
+              <a:rPr lang="en-US" dirty="0" smtClean="0"/>
+            </a:br>
+            <a:endParaRPr lang="en-US" dirty="0" smtClean="0"/>
+          </a:p>
+          <a:p>
             <a:endParaRPr lang="zh-CN" altLang="en-US" dirty="0"/>
           </a:p>
         </p:txBody>
       </p:sp>
       <p:pic>
         <p:nvPicPr>
-          <p:cNvPr id="4" name="Picture 1"/>
+          <p:cNvPr id="1026" name="Picture 2"/>
           <p:cNvPicPr>
             <a:picLocks noChangeAspect="1" noChangeArrowheads="1"/>
           </p:cNvPicPr>
@@ -5168,8 +5322,8 @@
         </p:blipFill>
         <p:spPr bwMode="auto">
           <a:xfrm>
-            <a:off x="3563888" y="1340768"/>
-            <a:ext cx="5029200" cy="4048125"/>
+            <a:off x="4572000" y="1412776"/>
+            <a:ext cx="4029075" cy="3105150"/>
           </a:xfrm>
           <a:prstGeom prst="rect">
             <a:avLst/>
@@ -5181,6 +5335,32 @@
             <a:headEnd/>
             <a:tailEnd/>
           </a:ln>
+        </p:spPr>
+      </p:pic>
+      <p:pic>
+        <p:nvPicPr>
+          <p:cNvPr id="1028" name="Picture 4" descr="http://img.blog.csdn.net/20161219175058506"/>
+          <p:cNvPicPr>
+            <a:picLocks noChangeAspect="1" noChangeArrowheads="1"/>
+          </p:cNvPicPr>
+          <p:nvPr/>
+        </p:nvPicPr>
+        <p:blipFill>
+          <a:blip r:embed="rId3"/>
+          <a:srcRect/>
+          <a:stretch>
+            <a:fillRect/>
+          </a:stretch>
+        </p:blipFill>
+        <p:spPr bwMode="auto">
+          <a:xfrm>
+            <a:off x="2555776" y="3789040"/>
+            <a:ext cx="1114425" cy="466726"/>
+          </a:xfrm>
+          <a:prstGeom prst="rect">
+            <a:avLst/>
+          </a:prstGeom>
+          <a:noFill/>
         </p:spPr>
       </p:pic>
     </p:spTree>
@@ -5220,86 +5400,119 @@
         </p:nvSpPr>
         <p:spPr/>
         <p:txBody>
-          <a:bodyPr>
-            <a:normAutofit/>
-          </a:bodyPr>
-          <a:lstStyle/>
-          <a:p>
-            <a:r>
-              <a:rPr lang="zh-CN" altLang="en-US" dirty="0" smtClean="0"/>
-              <a:t>神经网络结构</a:t>
+          <a:bodyPr/>
+          <a:lstStyle/>
+          <a:p>
+            <a:r>
+              <a:rPr lang="zh-CN" altLang="en-US" dirty="0" smtClean="0"/>
+              <a:t>训练优化器</a:t>
+            </a:r>
+            <a:endParaRPr lang="zh-CN" altLang="en-US" dirty="0"/>
+          </a:p>
+        </p:txBody>
+      </p:sp>
+      <p:sp>
+        <p:nvSpPr>
+          <p:cNvPr id="3" name="内容占位符 2"/>
+          <p:cNvSpPr>
+            <a:spLocks noGrp="1"/>
+          </p:cNvSpPr>
+          <p:nvPr>
+            <p:ph idx="1"/>
+          </p:nvPr>
+        </p:nvSpPr>
+        <p:spPr/>
+        <p:txBody>
+          <a:bodyPr/>
+          <a:lstStyle/>
+          <a:p>
+            <a:r>
+              <a:rPr lang="zh-CN" altLang="en-US" dirty="0" smtClean="0"/>
+              <a:t>定义优化</a:t>
+            </a:r>
+            <a:r>
+              <a:rPr lang="zh-CN" altLang="en-US" dirty="0" smtClean="0"/>
+              <a:t>算法</a:t>
             </a:r>
             <a:r>
               <a:rPr lang="en-US" altLang="zh-CN" dirty="0" smtClean="0"/>
-              <a:t>-</a:t>
-            </a:r>
-            <a:r>
-              <a:rPr lang="zh-CN" altLang="en-US" dirty="0" smtClean="0"/>
-              <a:t>多层</a:t>
-            </a:r>
-            <a:r>
-              <a:rPr lang="zh-CN" altLang="en-US" dirty="0" smtClean="0"/>
-              <a:t>神经网络</a:t>
-            </a:r>
+              <a:t>/</a:t>
+            </a:r>
+            <a:r>
+              <a:rPr lang="zh-CN" altLang="en-US" dirty="0" smtClean="0"/>
+              <a:t>权重更新</a:t>
+            </a:r>
+            <a:r>
+              <a:rPr lang="zh-CN" altLang="en-US" dirty="0" smtClean="0"/>
+              <a:t>规则</a:t>
+            </a:r>
+            <a:endParaRPr lang="en-US" altLang="zh-CN" dirty="0" smtClean="0"/>
+          </a:p>
+          <a:p>
+            <a:r>
+              <a:rPr lang="zh-CN" altLang="en-US" dirty="0" smtClean="0"/>
+              <a:t>常用的训练优化器有：</a:t>
+            </a:r>
+            <a:endParaRPr lang="en-US" altLang="zh-CN" dirty="0" smtClean="0"/>
+          </a:p>
+          <a:p>
+            <a:pPr>
+              <a:buNone/>
+            </a:pPr>
+            <a:r>
+              <a:rPr lang="zh-CN" altLang="en-US" dirty="0" smtClean="0"/>
+              <a:t>     </a:t>
+            </a:r>
+            <a:r>
+              <a:rPr lang="zh-CN" altLang="en-US" sz="2800" dirty="0" smtClean="0"/>
+              <a:t>随机</a:t>
+            </a:r>
+            <a:r>
+              <a:rPr lang="zh-CN" altLang="en-US" sz="2800" dirty="0" smtClean="0"/>
+              <a:t>梯度下降法（</a:t>
+            </a:r>
+            <a:r>
+              <a:rPr lang="en-US" altLang="zh-CN" sz="2800" dirty="0" smtClean="0"/>
+              <a:t>SGD</a:t>
+            </a:r>
+            <a:r>
+              <a:rPr lang="zh-CN" altLang="en-US" sz="2800" dirty="0" smtClean="0"/>
+              <a:t>）</a:t>
+            </a:r>
+            <a:endParaRPr lang="en-US" altLang="zh-CN" sz="2800" dirty="0" smtClean="0"/>
+          </a:p>
+          <a:p>
+            <a:pPr>
+              <a:buNone/>
+            </a:pPr>
+            <a:r>
+              <a:rPr lang="en-US" sz="2800" dirty="0" smtClean="0"/>
+              <a:t>      </a:t>
+            </a:r>
+            <a:r>
+              <a:rPr lang="en-US" sz="2800" dirty="0" err="1" smtClean="0"/>
+              <a:t>Adagrad</a:t>
+            </a:r>
+            <a:endParaRPr lang="en-US" sz="2800" dirty="0" smtClean="0"/>
+          </a:p>
+          <a:p>
+            <a:pPr>
+              <a:buNone/>
+            </a:pPr>
+            <a:r>
+              <a:rPr lang="en-US" sz="2800" dirty="0" smtClean="0"/>
+              <a:t>      Adam</a:t>
+            </a:r>
+            <a:endParaRPr lang="en-US" sz="2800" dirty="0" smtClean="0"/>
+          </a:p>
+          <a:p>
+            <a:pPr>
+              <a:buNone/>
+            </a:pPr>
             <a:endParaRPr lang="zh-CN" altLang="en-US" dirty="0"/>
           </a:p>
         </p:txBody>
       </p:sp>
-      <p:sp>
-        <p:nvSpPr>
-          <p:cNvPr id="3" name="内容占位符 2"/>
-          <p:cNvSpPr>
-            <a:spLocks noGrp="1"/>
-          </p:cNvSpPr>
-          <p:nvPr>
-            <p:ph idx="1"/>
-          </p:nvPr>
-        </p:nvSpPr>
-        <p:spPr/>
-        <p:txBody>
-          <a:bodyPr/>
-          <a:lstStyle/>
-          <a:p>
-            <a:r>
-              <a:rPr lang="zh-CN" altLang="en-US" dirty="0" smtClean="0"/>
-              <a:t>多个隐藏层</a:t>
-            </a:r>
-            <a:endParaRPr lang="zh-CN" altLang="en-US" dirty="0"/>
-          </a:p>
-        </p:txBody>
-      </p:sp>
-      <p:pic>
-        <p:nvPicPr>
-          <p:cNvPr id="2049" name="Picture 1"/>
-          <p:cNvPicPr>
-            <a:picLocks noChangeAspect="1" noChangeArrowheads="1"/>
-          </p:cNvPicPr>
-          <p:nvPr/>
-        </p:nvPicPr>
-        <p:blipFill>
-          <a:blip r:embed="rId2"/>
-          <a:srcRect/>
-          <a:stretch>
-            <a:fillRect/>
-          </a:stretch>
-        </p:blipFill>
-        <p:spPr bwMode="auto">
-          <a:xfrm>
-            <a:off x="4427984" y="1628800"/>
-            <a:ext cx="4257675" cy="2552700"/>
-          </a:xfrm>
-          <a:prstGeom prst="rect">
-            <a:avLst/>
-          </a:prstGeom>
-          <a:noFill/>
-          <a:ln w="9525">
-            <a:noFill/>
-            <a:miter lim="800000"/>
-            <a:headEnd/>
-            <a:tailEnd/>
-          </a:ln>
-        </p:spPr>
-      </p:pic>
     </p:spTree>
   </p:cSld>
   <p:clrMapOvr>
@@ -5342,79 +5555,116 @@
           <a:p>
             <a:r>
               <a:rPr lang="zh-CN" altLang="en-US" dirty="0" smtClean="0"/>
-              <a:t>神经网络结构</a:t>
-            </a:r>
+              <a:t>损失函数</a:t>
+            </a:r>
+            <a:endParaRPr lang="zh-CN" altLang="en-US" dirty="0"/>
+          </a:p>
+        </p:txBody>
+      </p:sp>
+      <p:sp>
+        <p:nvSpPr>
+          <p:cNvPr id="3" name="内容占位符 2"/>
+          <p:cNvSpPr>
+            <a:spLocks noGrp="1"/>
+          </p:cNvSpPr>
+          <p:nvPr>
+            <p:ph idx="1"/>
+          </p:nvPr>
+        </p:nvSpPr>
+        <p:spPr/>
+        <p:txBody>
+          <a:bodyPr/>
+          <a:lstStyle/>
+          <a:p>
+            <a:r>
+              <a:rPr lang="zh-CN" altLang="en-US" dirty="0" smtClean="0"/>
+              <a:t>损失函数是模型对数据拟合程度的反映，拟合得越差、损失函数的值就应该越</a:t>
+            </a:r>
+            <a:r>
+              <a:rPr lang="zh-CN" altLang="en-US" dirty="0" smtClean="0"/>
+              <a:t>大</a:t>
+            </a:r>
+            <a:endParaRPr lang="en-US" altLang="zh-CN" dirty="0" smtClean="0"/>
+          </a:p>
+          <a:p>
+            <a:r>
+              <a:rPr lang="zh-CN" altLang="en-US" dirty="0" smtClean="0"/>
+              <a:t>常用损失函数：</a:t>
+            </a:r>
+            <a:endParaRPr lang="en-US" altLang="zh-CN" dirty="0" smtClean="0"/>
+          </a:p>
+          <a:p>
+            <a:pPr>
+              <a:buNone/>
+            </a:pPr>
             <a:r>
               <a:rPr lang="en-US" altLang="zh-CN" dirty="0" smtClean="0"/>
-              <a:t>-</a:t>
-            </a:r>
-            <a:r>
-              <a:rPr lang="zh-CN" altLang="en-US" dirty="0" smtClean="0"/>
-              <a:t>前馈神经网络</a:t>
-            </a:r>
-            <a:endParaRPr lang="zh-CN" altLang="en-US" dirty="0"/>
-          </a:p>
-        </p:txBody>
-      </p:sp>
-      <p:sp>
-        <p:nvSpPr>
-          <p:cNvPr id="3" name="内容占位符 2"/>
-          <p:cNvSpPr>
-            <a:spLocks noGrp="1"/>
-          </p:cNvSpPr>
-          <p:nvPr>
-            <p:ph idx="1"/>
-          </p:nvPr>
-        </p:nvSpPr>
-        <p:spPr/>
-        <p:txBody>
-          <a:bodyPr/>
-          <a:lstStyle/>
-          <a:p>
-            <a:r>
-              <a:rPr lang="zh-CN" altLang="en-US" dirty="0" smtClean="0"/>
-              <a:t>信号流</a:t>
-            </a:r>
-            <a:r>
-              <a:rPr lang="zh-CN" altLang="en-US" dirty="0" smtClean="0"/>
-              <a:t>是单向的</a:t>
-            </a:r>
-            <a:endParaRPr lang="zh-CN" altLang="en-US" dirty="0"/>
-          </a:p>
-        </p:txBody>
-      </p:sp>
-      <p:pic>
-        <p:nvPicPr>
-          <p:cNvPr id="3073" name="Picture 1"/>
-          <p:cNvPicPr>
-            <a:picLocks noChangeAspect="1" noChangeArrowheads="1"/>
-          </p:cNvPicPr>
-          <p:nvPr/>
-        </p:nvPicPr>
-        <p:blipFill>
-          <a:blip r:embed="rId2"/>
-          <a:srcRect/>
-          <a:stretch>
-            <a:fillRect/>
-          </a:stretch>
-        </p:blipFill>
-        <p:spPr bwMode="auto">
-          <a:xfrm>
-            <a:off x="827584" y="2204864"/>
-            <a:ext cx="6948264" cy="3723730"/>
-          </a:xfrm>
-          <a:prstGeom prst="rect">
-            <a:avLst/>
-          </a:prstGeom>
-          <a:noFill/>
-          <a:ln w="9525">
-            <a:noFill/>
-            <a:miter lim="800000"/>
-            <a:headEnd/>
-            <a:tailEnd/>
-          </a:ln>
-        </p:spPr>
-      </p:pic>
+              <a:t>	</a:t>
+            </a:r>
+            <a:r>
+              <a:rPr lang="zh-CN" altLang="en-US" sz="2000" dirty="0" smtClean="0"/>
+              <a:t>最小平方误差准则（</a:t>
+            </a:r>
+            <a:r>
+              <a:rPr lang="en-US" altLang="zh-CN" sz="2000" dirty="0" smtClean="0"/>
+              <a:t>MSE</a:t>
+            </a:r>
+            <a:r>
+              <a:rPr lang="zh-CN" altLang="en-US" sz="2000" dirty="0" smtClean="0"/>
+              <a:t>）</a:t>
+            </a:r>
+            <a:endParaRPr lang="en-US" altLang="zh-CN" sz="2000" dirty="0" smtClean="0"/>
+          </a:p>
+          <a:p>
+            <a:pPr>
+              <a:buNone/>
+            </a:pPr>
+            <a:r>
+              <a:rPr lang="en-US" altLang="zh-CN" sz="2000" dirty="0" smtClean="0"/>
+              <a:t> </a:t>
+            </a:r>
+            <a:r>
+              <a:rPr lang="en-US" altLang="zh-CN" sz="2000" dirty="0" smtClean="0"/>
+              <a:t>  	</a:t>
+            </a:r>
+            <a:r>
+              <a:rPr lang="zh-CN" altLang="en-US" sz="2000" dirty="0" smtClean="0"/>
+              <a:t>交叉信息熵</a:t>
+            </a:r>
+            <a:endParaRPr lang="en-US" altLang="zh-CN" sz="2000" dirty="0" smtClean="0"/>
+          </a:p>
+          <a:p>
+            <a:pPr>
+              <a:buNone/>
+            </a:pPr>
+            <a:r>
+              <a:rPr lang="en-US" altLang="zh-CN" sz="2000" dirty="0" smtClean="0"/>
+              <a:t>	</a:t>
+            </a:r>
+            <a:endParaRPr lang="en-US" altLang="zh-CN" sz="2000" dirty="0" smtClean="0"/>
+          </a:p>
+          <a:p>
+            <a:pPr>
+              <a:buNone/>
+            </a:pPr>
+            <a:endParaRPr lang="en-US" altLang="zh-CN" sz="2000" dirty="0" smtClean="0"/>
+          </a:p>
+          <a:p>
+            <a:pPr>
+              <a:buNone/>
+            </a:pPr>
+            <a:r>
+              <a:rPr lang="en-US" altLang="zh-CN" sz="2000" dirty="0" smtClean="0"/>
+              <a:t> </a:t>
+            </a:r>
+            <a:r>
+              <a:rPr lang="en-US" altLang="zh-CN" sz="2000" dirty="0" smtClean="0"/>
+              <a:t>   	</a:t>
+            </a:r>
+            <a:endParaRPr lang="zh-CN" altLang="en-US" sz="2000" dirty="0"/>
+          </a:p>
+        </p:txBody>
+      </p:sp>
     </p:spTree>
   </p:cSld>
   <p:clrMapOvr>
@@ -5452,95 +5702,81 @@
         </p:nvSpPr>
         <p:spPr/>
         <p:txBody>
-          <a:bodyPr>
-            <a:normAutofit/>
-          </a:bodyPr>
-          <a:lstStyle/>
-          <a:p>
-            <a:r>
-              <a:rPr lang="zh-CN" altLang="en-US" dirty="0" smtClean="0"/>
-              <a:t>神经网络结构</a:t>
-            </a:r>
+          <a:bodyPr/>
+          <a:lstStyle/>
+          <a:p>
+            <a:r>
+              <a:rPr lang="zh-CN" altLang="en-US" dirty="0" smtClean="0"/>
+              <a:t>学习方式</a:t>
+            </a:r>
+            <a:endParaRPr lang="zh-CN" altLang="en-US" dirty="0"/>
+          </a:p>
+        </p:txBody>
+      </p:sp>
+      <p:sp>
+        <p:nvSpPr>
+          <p:cNvPr id="3" name="内容占位符 2"/>
+          <p:cNvSpPr>
+            <a:spLocks noGrp="1"/>
+          </p:cNvSpPr>
+          <p:nvPr>
+            <p:ph idx="1"/>
+          </p:nvPr>
+        </p:nvSpPr>
+        <p:spPr/>
+        <p:txBody>
+          <a:bodyPr/>
+          <a:lstStyle/>
+          <a:p>
+            <a:r>
+              <a:rPr lang="zh-CN" altLang="en-US" dirty="0" smtClean="0"/>
+              <a:t>监督学习</a:t>
+            </a:r>
+            <a:endParaRPr lang="en-US" altLang="zh-CN" dirty="0" smtClean="0"/>
+          </a:p>
+          <a:p>
+            <a:pPr>
+              <a:buNone/>
+            </a:pPr>
             <a:r>
               <a:rPr lang="en-US" altLang="zh-CN" dirty="0" smtClean="0"/>
-              <a:t>-</a:t>
-            </a:r>
-            <a:r>
-              <a:rPr lang="zh-CN" altLang="en-US" dirty="0" smtClean="0"/>
-              <a:t>反馈</a:t>
-            </a:r>
-            <a:r>
-              <a:rPr lang="zh-CN" altLang="en-US" dirty="0" smtClean="0"/>
-              <a:t>神经网络</a:t>
+              <a:t>	</a:t>
+            </a:r>
+            <a:r>
+              <a:rPr lang="zh-CN" altLang="en-US" dirty="0" smtClean="0"/>
+              <a:t>数据集中包含实际结果</a:t>
+            </a:r>
+            <a:endParaRPr lang="en-US" altLang="zh-CN" dirty="0" smtClean="0"/>
+          </a:p>
+          <a:p>
+            <a:pPr>
+              <a:buNone/>
+            </a:pPr>
+            <a:endParaRPr lang="en-US" altLang="zh-CN" dirty="0" smtClean="0"/>
+          </a:p>
+          <a:p>
+            <a:r>
+              <a:rPr lang="zh-CN" altLang="en-US" dirty="0" smtClean="0"/>
+              <a:t>无监督学习</a:t>
+            </a:r>
+            <a:endParaRPr lang="en-US" altLang="zh-CN" dirty="0" smtClean="0"/>
+          </a:p>
+          <a:p>
+            <a:pPr>
+              <a:buNone/>
+            </a:pPr>
+            <a:r>
+              <a:rPr lang="en-US" altLang="zh-CN" dirty="0" smtClean="0"/>
+              <a:t>	</a:t>
+            </a:r>
+            <a:r>
+              <a:rPr lang="zh-CN" altLang="en-US" dirty="0" smtClean="0"/>
+              <a:t>数据集中不包含实际结果</a:t>
             </a:r>
             <a:endParaRPr lang="zh-CN" altLang="en-US" dirty="0"/>
           </a:p>
         </p:txBody>
       </p:sp>
-      <p:sp>
-        <p:nvSpPr>
-          <p:cNvPr id="3" name="内容占位符 2"/>
-          <p:cNvSpPr>
-            <a:spLocks noGrp="1"/>
-          </p:cNvSpPr>
-          <p:nvPr>
-            <p:ph idx="1"/>
-          </p:nvPr>
-        </p:nvSpPr>
-        <p:spPr>
-          <a:xfrm>
-            <a:off x="457200" y="1600200"/>
-            <a:ext cx="3178696" cy="4525963"/>
-          </a:xfrm>
-        </p:spPr>
-        <p:txBody>
-          <a:bodyPr/>
-          <a:lstStyle/>
-          <a:p>
-            <a:r>
-              <a:rPr lang="zh-CN" altLang="en-US" dirty="0" smtClean="0"/>
-              <a:t>信号</a:t>
-            </a:r>
-            <a:r>
-              <a:rPr lang="zh-CN" altLang="en-US" dirty="0" smtClean="0"/>
-              <a:t>处理之后又被传回接收和处理过该信号的神经元或神经元层</a:t>
-            </a:r>
-            <a:endParaRPr lang="zh-CN" altLang="en-US" dirty="0"/>
-          </a:p>
-        </p:txBody>
-      </p:sp>
-      <p:pic>
-        <p:nvPicPr>
-          <p:cNvPr id="22529" name="Picture 1"/>
-          <p:cNvPicPr>
-            <a:picLocks noChangeAspect="1" noChangeArrowheads="1"/>
-          </p:cNvPicPr>
-          <p:nvPr/>
-        </p:nvPicPr>
-        <p:blipFill>
-          <a:blip r:embed="rId2"/>
-          <a:srcRect/>
-          <a:stretch>
-            <a:fillRect/>
-          </a:stretch>
-        </p:blipFill>
-        <p:spPr bwMode="auto">
-          <a:xfrm>
-            <a:off x="3491880" y="1844824"/>
-            <a:ext cx="5248275" cy="4419600"/>
-          </a:xfrm>
-          <a:prstGeom prst="rect">
-            <a:avLst/>
-          </a:prstGeom>
-          <a:noFill/>
-          <a:ln w="9525">
-            <a:noFill/>
-            <a:miter lim="800000"/>
-            <a:headEnd/>
-            <a:tailEnd/>
-          </a:ln>
-        </p:spPr>
-      </p:pic>
     </p:spTree>
   </p:cSld>
   <p:clrMapOvr>
@@ -5578,81 +5814,53 @@
         </p:nvSpPr>
         <p:spPr/>
         <p:txBody>
-          <a:bodyPr/>
-          <a:lstStyle/>
-          <a:p>
-            <a:r>
-              <a:rPr lang="zh-CN" altLang="en-US" dirty="0" smtClean="0"/>
-              <a:t>学习方式</a:t>
+          <a:bodyPr>
+            <a:normAutofit/>
+          </a:bodyPr>
+          <a:lstStyle/>
+          <a:p>
+            <a:r>
+              <a:rPr lang="zh-CN" altLang="en-US" dirty="0" smtClean="0"/>
+              <a:t>无监督学习</a:t>
+            </a:r>
+            <a:r>
+              <a:rPr lang="en-US" altLang="zh-CN" dirty="0" smtClean="0"/>
+              <a:t>-</a:t>
+            </a:r>
+            <a:r>
+              <a:rPr lang="zh-CN" altLang="en-US" dirty="0" smtClean="0"/>
+              <a:t>聚类</a:t>
             </a:r>
             <a:endParaRPr lang="zh-CN" altLang="en-US" dirty="0"/>
           </a:p>
         </p:txBody>
       </p:sp>
-      <p:sp>
-        <p:nvSpPr>
-          <p:cNvPr id="3" name="内容占位符 2"/>
-          <p:cNvSpPr>
-            <a:spLocks noGrp="1"/>
-          </p:cNvSpPr>
-          <p:nvPr>
-            <p:ph idx="1"/>
-          </p:nvPr>
-        </p:nvSpPr>
-        <p:spPr/>
-        <p:txBody>
-          <a:bodyPr/>
-          <a:lstStyle/>
-          <a:p>
-            <a:r>
-              <a:rPr lang="zh-CN" altLang="en-US" dirty="0" smtClean="0"/>
-              <a:t>监督学习</a:t>
-            </a:r>
-            <a:endParaRPr lang="en-US" altLang="zh-CN" dirty="0" smtClean="0"/>
-          </a:p>
-          <a:p>
-            <a:pPr>
-              <a:buNone/>
-            </a:pPr>
-            <a:r>
-              <a:rPr lang="en-US" altLang="zh-CN" dirty="0" smtClean="0"/>
-              <a:t>	</a:t>
-            </a:r>
-            <a:r>
-              <a:rPr lang="zh-CN" altLang="en-US" dirty="0" smtClean="0"/>
-              <a:t>数据集中包含实际结果</a:t>
-            </a:r>
-            <a:endParaRPr lang="en-US" altLang="zh-CN" dirty="0" smtClean="0"/>
-          </a:p>
-          <a:p>
-            <a:pPr>
-              <a:buNone/>
-            </a:pPr>
-            <a:endParaRPr lang="en-US" altLang="zh-CN" dirty="0" smtClean="0"/>
-          </a:p>
-          <a:p>
-            <a:r>
-              <a:rPr lang="zh-CN" altLang="en-US" dirty="0" smtClean="0"/>
-              <a:t>无监督学习</a:t>
-            </a:r>
-            <a:endParaRPr lang="en-US" altLang="zh-CN" dirty="0" smtClean="0"/>
-          </a:p>
-          <a:p>
-            <a:pPr>
-              <a:buNone/>
-            </a:pPr>
-            <a:r>
-              <a:rPr lang="en-US" altLang="zh-CN" dirty="0" smtClean="0"/>
-              <a:t>	</a:t>
-            </a:r>
-            <a:r>
-              <a:rPr lang="zh-CN" altLang="en-US" dirty="0" smtClean="0"/>
-              <a:t>数据集中不包含实际结果</a:t>
-            </a:r>
-            <a:endParaRPr lang="zh-CN" altLang="en-US" dirty="0"/>
-          </a:p>
-        </p:txBody>
-      </p:sp>
+      <p:pic>
+        <p:nvPicPr>
+          <p:cNvPr id="23554" name="Picture 2" descr="neural network programming with java 2-3 的图像结果"/>
+          <p:cNvPicPr>
+            <a:picLocks noChangeAspect="1" noChangeArrowheads="1"/>
+          </p:cNvPicPr>
+          <p:nvPr/>
+        </p:nvPicPr>
+        <p:blipFill>
+          <a:blip r:embed="rId2"/>
+          <a:srcRect/>
+          <a:stretch>
+            <a:fillRect/>
+          </a:stretch>
+        </p:blipFill>
+        <p:spPr bwMode="auto">
+          <a:xfrm>
+            <a:off x="539552" y="1412776"/>
+            <a:ext cx="8062986" cy="4953784"/>
+          </a:xfrm>
+          <a:prstGeom prst="rect">
+            <a:avLst/>
+          </a:prstGeom>
+          <a:noFill/>
+        </p:spPr>
+      </p:pic>
     </p:spTree>
   </p:cSld>
   <p:clrMapOvr>

--- a/docs/神经元网络.pptx
+++ b/docs/神经元网络.pptx
@@ -26,6 +26,9 @@
   </p:sldIdLst>
   <p:sldSz cx="9144000" cy="6858000" type="screen4x3"/>
   <p:notesSz cx="6858000" cy="9144000"/>
+  <p:custDataLst>
+    <p:tags r:id="rId20"/>
+  </p:custDataLst>
   <p:defaultTextStyle>
     <a:defPPr>
       <a:defRPr lang="zh-CN"/>
@@ -306,7 +309,7 @@
             <a:fld id="{ADE23717-BED1-4500-B578-0DA139FF39A3}" type="datetimeFigureOut">
               <a:rPr lang="zh-CN" altLang="en-US" smtClean="0"/>
               <a:pPr/>
-              <a:t>2018/1/16</a:t>
+              <a:t>2018/3/26</a:t>
             </a:fld>
             <a:endParaRPr lang="zh-CN" altLang="en-US"/>
           </a:p>
@@ -473,7 +476,7 @@
             <a:fld id="{ADE23717-BED1-4500-B578-0DA139FF39A3}" type="datetimeFigureOut">
               <a:rPr lang="zh-CN" altLang="en-US" smtClean="0"/>
               <a:pPr/>
-              <a:t>2018/1/16</a:t>
+              <a:t>2018/3/26</a:t>
             </a:fld>
             <a:endParaRPr lang="zh-CN" altLang="en-US"/>
           </a:p>
@@ -650,7 +653,7 @@
             <a:fld id="{ADE23717-BED1-4500-B578-0DA139FF39A3}" type="datetimeFigureOut">
               <a:rPr lang="zh-CN" altLang="en-US" smtClean="0"/>
               <a:pPr/>
-              <a:t>2018/1/16</a:t>
+              <a:t>2018/3/26</a:t>
             </a:fld>
             <a:endParaRPr lang="zh-CN" altLang="en-US"/>
           </a:p>
@@ -817,7 +820,7 @@
             <a:fld id="{ADE23717-BED1-4500-B578-0DA139FF39A3}" type="datetimeFigureOut">
               <a:rPr lang="zh-CN" altLang="en-US" smtClean="0"/>
               <a:pPr/>
-              <a:t>2018/1/16</a:t>
+              <a:t>2018/3/26</a:t>
             </a:fld>
             <a:endParaRPr lang="zh-CN" altLang="en-US"/>
           </a:p>
@@ -1060,7 +1063,7 @@
             <a:fld id="{ADE23717-BED1-4500-B578-0DA139FF39A3}" type="datetimeFigureOut">
               <a:rPr lang="zh-CN" altLang="en-US" smtClean="0"/>
               <a:pPr/>
-              <a:t>2018/1/16</a:t>
+              <a:t>2018/3/26</a:t>
             </a:fld>
             <a:endParaRPr lang="zh-CN" altLang="en-US"/>
           </a:p>
@@ -1345,7 +1348,7 @@
             <a:fld id="{ADE23717-BED1-4500-B578-0DA139FF39A3}" type="datetimeFigureOut">
               <a:rPr lang="zh-CN" altLang="en-US" smtClean="0"/>
               <a:pPr/>
-              <a:t>2018/1/16</a:t>
+              <a:t>2018/3/26</a:t>
             </a:fld>
             <a:endParaRPr lang="zh-CN" altLang="en-US"/>
           </a:p>
@@ -1764,7 +1767,7 @@
             <a:fld id="{ADE23717-BED1-4500-B578-0DA139FF39A3}" type="datetimeFigureOut">
               <a:rPr lang="zh-CN" altLang="en-US" smtClean="0"/>
               <a:pPr/>
-              <a:t>2018/1/16</a:t>
+              <a:t>2018/3/26</a:t>
             </a:fld>
             <a:endParaRPr lang="zh-CN" altLang="en-US"/>
           </a:p>
@@ -1879,7 +1882,7 @@
             <a:fld id="{ADE23717-BED1-4500-B578-0DA139FF39A3}" type="datetimeFigureOut">
               <a:rPr lang="zh-CN" altLang="en-US" smtClean="0"/>
               <a:pPr/>
-              <a:t>2018/1/16</a:t>
+              <a:t>2018/3/26</a:t>
             </a:fld>
             <a:endParaRPr lang="zh-CN" altLang="en-US"/>
           </a:p>
@@ -1971,7 +1974,7 @@
             <a:fld id="{ADE23717-BED1-4500-B578-0DA139FF39A3}" type="datetimeFigureOut">
               <a:rPr lang="zh-CN" altLang="en-US" smtClean="0"/>
               <a:pPr/>
-              <a:t>2018/1/16</a:t>
+              <a:t>2018/3/26</a:t>
             </a:fld>
             <a:endParaRPr lang="zh-CN" altLang="en-US"/>
           </a:p>
@@ -2245,7 +2248,7 @@
             <a:fld id="{ADE23717-BED1-4500-B578-0DA139FF39A3}" type="datetimeFigureOut">
               <a:rPr lang="zh-CN" altLang="en-US" smtClean="0"/>
               <a:pPr/>
-              <a:t>2018/1/16</a:t>
+              <a:t>2018/3/26</a:t>
             </a:fld>
             <a:endParaRPr lang="zh-CN" altLang="en-US"/>
           </a:p>
@@ -2495,7 +2498,7 @@
             <a:fld id="{ADE23717-BED1-4500-B578-0DA139FF39A3}" type="datetimeFigureOut">
               <a:rPr lang="zh-CN" altLang="en-US" smtClean="0"/>
               <a:pPr/>
-              <a:t>2018/1/16</a:t>
+              <a:t>2018/3/26</a:t>
             </a:fld>
             <a:endParaRPr lang="zh-CN" altLang="en-US"/>
           </a:p>
@@ -2705,7 +2708,7 @@
             <a:fld id="{ADE23717-BED1-4500-B578-0DA139FF39A3}" type="datetimeFigureOut">
               <a:rPr lang="zh-CN" altLang="en-US" smtClean="0"/>
               <a:pPr/>
-              <a:t>2018/1/16</a:t>
+              <a:t>2018/3/26</a:t>
             </a:fld>
             <a:endParaRPr lang="zh-CN" altLang="en-US"/>
           </a:p>
@@ -3093,19 +3096,7 @@
           <a:p>
             <a:r>
               <a:rPr lang="zh-CN" altLang="en-US" dirty="0" smtClean="0"/>
-              <a:t>使用</a:t>
-            </a:r>
-            <a:r>
-              <a:rPr lang="en-US" altLang="zh-CN" dirty="0" err="1" smtClean="0"/>
-              <a:t>tensorflow</a:t>
-            </a:r>
-            <a:r>
-              <a:rPr lang="zh-CN" altLang="en-US" dirty="0" smtClean="0"/>
-              <a:t>实现神经元</a:t>
-            </a:r>
-            <a:r>
-              <a:rPr lang="zh-CN" altLang="en-US" dirty="0" smtClean="0"/>
-              <a:t>网络</a:t>
+              <a:t>神经网络入门</a:t>
             </a:r>
             <a:endParaRPr lang="zh-CN" altLang="en-US" dirty="0"/>
           </a:p>
@@ -3234,15 +3225,7 @@
           <a:p>
             <a:r>
               <a:rPr lang="zh-CN" altLang="en-US" dirty="0" smtClean="0"/>
-              <a:t>最简单</a:t>
-            </a:r>
-            <a:r>
-              <a:rPr lang="zh-CN" altLang="en-US" dirty="0" smtClean="0"/>
-              <a:t>的</a:t>
-            </a:r>
-            <a:r>
-              <a:rPr lang="zh-CN" altLang="en-US" dirty="0" smtClean="0"/>
-              <a:t>神经网络</a:t>
+              <a:t>最简单的神经网络</a:t>
             </a:r>
             <a:endParaRPr lang="en-US" altLang="zh-CN" dirty="0" smtClean="0"/>
           </a:p>
@@ -3256,11 +3239,7 @@
           <a:p>
             <a:r>
               <a:rPr lang="zh-CN" altLang="en-US" dirty="0" smtClean="0"/>
-              <a:t>只有一个</a:t>
-            </a:r>
-            <a:r>
-              <a:rPr lang="zh-CN" altLang="en-US" dirty="0" smtClean="0"/>
-              <a:t>神经元</a:t>
+              <a:t>只有一个神经元</a:t>
             </a:r>
             <a:endParaRPr lang="en-US" altLang="zh-CN" dirty="0" smtClean="0"/>
           </a:p>
@@ -3270,11 +3249,7 @@
           <a:p>
             <a:r>
               <a:rPr lang="en-US" altLang="zh-CN" dirty="0" smtClean="0"/>
-              <a:t>Y = f</a:t>
-            </a:r>
-            <a:r>
-              <a:rPr lang="en-US" altLang="zh-CN" dirty="0" smtClean="0"/>
-              <a:t>(</a:t>
+              <a:t>Y = f(</a:t>
             </a:r>
             <a:r>
               <a:rPr lang="en-US" altLang="zh-CN" dirty="0" err="1" smtClean="0"/>
@@ -3478,15 +3453,7 @@
           <a:p>
             <a:r>
               <a:rPr lang="zh-CN" altLang="en-US" dirty="0" smtClean="0"/>
-              <a:t>损失</a:t>
-            </a:r>
-            <a:r>
-              <a:rPr lang="zh-CN" altLang="en-US" dirty="0" smtClean="0"/>
-              <a:t>函数</a:t>
-            </a:r>
-            <a:r>
-              <a:rPr lang="zh-CN" altLang="en-US" dirty="0" smtClean="0"/>
-              <a:t>：</a:t>
+              <a:t>损失函数：</a:t>
             </a:r>
             <a:endParaRPr lang="en-US" altLang="zh-CN" dirty="0" smtClean="0"/>
           </a:p>
@@ -3870,11 +3837,7 @@
           <a:p>
             <a:r>
               <a:rPr lang="zh-CN" altLang="en-US" dirty="0" smtClean="0"/>
-              <a:t>仅对线性问题具有分类</a:t>
-            </a:r>
-            <a:r>
-              <a:rPr lang="zh-CN" altLang="en-US" dirty="0" smtClean="0"/>
-              <a:t>能力</a:t>
+              <a:t>仅对线性问题具有分类能力</a:t>
             </a:r>
             <a:endParaRPr lang="en-US" altLang="zh-CN" dirty="0" smtClean="0"/>
           </a:p>
@@ -4054,11 +4017,7 @@
           <a:p>
             <a:r>
               <a:rPr lang="zh-CN" altLang="en-US" dirty="0" smtClean="0"/>
-              <a:t>多</a:t>
-            </a:r>
-            <a:r>
-              <a:rPr lang="zh-CN" altLang="en-US" dirty="0" smtClean="0"/>
-              <a:t>层神经网络</a:t>
+              <a:t>多层神经网络</a:t>
             </a:r>
             <a:endParaRPr lang="zh-CN" altLang="en-US" dirty="0"/>
           </a:p>
@@ -4138,11 +4097,7 @@
           <a:p>
             <a:r>
               <a:rPr lang="zh-CN" altLang="en-US" dirty="0" smtClean="0"/>
-              <a:t>多</a:t>
-            </a:r>
-            <a:r>
-              <a:rPr lang="zh-CN" altLang="en-US" dirty="0" smtClean="0"/>
-              <a:t>层神经网络</a:t>
+              <a:t>多层神经网络</a:t>
             </a:r>
             <a:endParaRPr lang="zh-CN" altLang="en-US" dirty="0"/>
           </a:p>
@@ -4261,11 +4216,7 @@
           <a:p>
             <a:r>
               <a:rPr lang="zh-CN" altLang="en-US" dirty="0" smtClean="0"/>
-              <a:t>在</a:t>
-            </a:r>
-            <a:r>
-              <a:rPr lang="zh-CN" altLang="en-US" dirty="0" smtClean="0"/>
-              <a:t>测试集</a:t>
+              <a:t>在测试集</a:t>
             </a:r>
             <a:r>
               <a:rPr lang="en-US" altLang="zh-CN" dirty="0" smtClean="0"/>
@@ -4516,7 +4467,11 @@
           <a:p>
             <a:r>
               <a:rPr lang="zh-CN" altLang="en-US" dirty="0" smtClean="0"/>
-              <a:t>神经元网络概念</a:t>
+              <a:t>神经网络</a:t>
+            </a:r>
+            <a:r>
+              <a:rPr lang="zh-CN" altLang="en-US" dirty="0" smtClean="0"/>
+              <a:t>概念</a:t>
             </a:r>
             <a:endParaRPr lang="zh-CN" altLang="en-US" dirty="0"/>
           </a:p>
@@ -4546,15 +4501,16 @@
           <a:p>
             <a:r>
               <a:rPr lang="zh-CN" altLang="en-US" dirty="0" smtClean="0"/>
-              <a:t>激活函数</a:t>
+              <a:t>网络结构</a:t>
             </a:r>
             <a:endParaRPr lang="en-US" altLang="zh-CN" dirty="0" smtClean="0"/>
           </a:p>
           <a:p>
             <a:r>
               <a:rPr lang="zh-CN" altLang="en-US" dirty="0" smtClean="0"/>
-              <a:t>训练优化器</a:t>
-            </a:r>
+              <a:t>训练</a:t>
+            </a:r>
+            <a:endParaRPr lang="zh-CN" altLang="en-US" dirty="0" smtClean="0"/>
           </a:p>
           <a:p>
             <a:r>
@@ -4620,7 +4576,7 @@
           <a:p>
             <a:r>
               <a:rPr lang="zh-CN" altLang="en-US" dirty="0" smtClean="0"/>
-              <a:t>神经元结构</a:t>
+              <a:t>神经元</a:t>
             </a:r>
             <a:endParaRPr lang="zh-CN" altLang="en-US" dirty="0"/>
           </a:p>
@@ -4643,29 +4599,50 @@
           <a:p>
             <a:r>
               <a:rPr lang="zh-CN" altLang="en-US" dirty="0" smtClean="0"/>
-              <a:t>若干个输入</a:t>
+              <a:t>输入</a:t>
             </a:r>
             <a:endParaRPr lang="en-US" altLang="zh-CN" dirty="0" smtClean="0"/>
           </a:p>
           <a:p>
             <a:r>
               <a:rPr lang="zh-CN" altLang="en-US" dirty="0" smtClean="0"/>
-              <a:t>输入权值</a:t>
+              <a:t>输入权</a:t>
+            </a:r>
+            <a:r>
+              <a:rPr lang="zh-CN" altLang="en-US" dirty="0" smtClean="0"/>
+              <a:t>值</a:t>
             </a:r>
             <a:endParaRPr lang="en-US" altLang="zh-CN" dirty="0" smtClean="0"/>
           </a:p>
           <a:p>
             <a:r>
               <a:rPr lang="zh-CN" altLang="en-US" dirty="0" smtClean="0"/>
+              <a:t>偏置值</a:t>
+            </a:r>
+            <a:endParaRPr lang="en-US" altLang="zh-CN" dirty="0" smtClean="0"/>
+          </a:p>
+          <a:p>
+            <a:r>
+              <a:rPr lang="zh-CN" altLang="en-US" dirty="0" smtClean="0"/>
               <a:t>激活函数</a:t>
             </a:r>
+            <a:endParaRPr lang="en-US" altLang="zh-CN" dirty="0" smtClean="0"/>
+          </a:p>
+          <a:p>
+            <a:r>
+              <a:rPr lang="zh-CN" altLang="en-US" dirty="0" smtClean="0"/>
+              <a:t>输出</a:t>
+            </a:r>
+            <a:endParaRPr lang="en-US" altLang="zh-CN" dirty="0" smtClean="0"/>
+          </a:p>
+          <a:p>
             <a:endParaRPr lang="en-US" altLang="zh-CN" dirty="0" smtClean="0"/>
           </a:p>
         </p:txBody>
       </p:sp>
       <p:pic>
         <p:nvPicPr>
-          <p:cNvPr id="7170" name="Picture 2" descr="神经元网络 单层神经元网络 的图像结果"/>
+          <p:cNvPr id="5" name="Picture 2" descr="感知机 的图像结果"/>
           <p:cNvPicPr>
             <a:picLocks noChangeAspect="1" noChangeArrowheads="1"/>
           </p:cNvPicPr>
@@ -4680,8 +4657,8 @@
         </p:blipFill>
         <p:spPr bwMode="auto">
           <a:xfrm>
-            <a:off x="3347864" y="1916832"/>
-            <a:ext cx="4138778" cy="2952328"/>
+            <a:off x="3275856" y="1340768"/>
+            <a:ext cx="5019675" cy="3295651"/>
           </a:xfrm>
           <a:prstGeom prst="rect">
             <a:avLst/>
@@ -4758,7 +4735,6 @@
               <a:rPr lang="en-US" altLang="zh-CN" dirty="0" smtClean="0"/>
               <a:t>Sigmoid</a:t>
             </a:r>
-            <a:endParaRPr lang="en-US" altLang="zh-CN" dirty="0" smtClean="0"/>
           </a:p>
           <a:p>
             <a:pPr>
@@ -4782,11 +4758,7 @@
           <a:p>
             <a:r>
               <a:rPr lang="zh-CN" altLang="en-US" dirty="0" smtClean="0"/>
-              <a:t>阈值</a:t>
-            </a:r>
-            <a:r>
-              <a:rPr lang="zh-CN" altLang="en-US" dirty="0" smtClean="0"/>
-              <a:t>函数</a:t>
+              <a:t>阈值函数</a:t>
             </a:r>
             <a:endParaRPr lang="en-US" altLang="zh-CN" dirty="0" smtClean="0"/>
           </a:p>
@@ -5209,11 +5181,7 @@
           <a:p>
             <a:r>
               <a:rPr lang="zh-CN" altLang="en-US" dirty="0" smtClean="0"/>
-              <a:t>激活函数</a:t>
-            </a:r>
-            <a:r>
-              <a:rPr lang="zh-CN" altLang="en-US" dirty="0" smtClean="0"/>
-              <a:t>类型</a:t>
+              <a:t>激活函数类型</a:t>
             </a:r>
             <a:endParaRPr lang="zh-CN" altLang="en-US" dirty="0"/>
           </a:p>
@@ -5428,11 +5396,7 @@
           <a:p>
             <a:r>
               <a:rPr lang="zh-CN" altLang="en-US" dirty="0" smtClean="0"/>
-              <a:t>定义优化</a:t>
-            </a:r>
-            <a:r>
-              <a:rPr lang="zh-CN" altLang="en-US" dirty="0" smtClean="0"/>
-              <a:t>算法</a:t>
+              <a:t>定义优化算法</a:t>
             </a:r>
             <a:r>
               <a:rPr lang="en-US" altLang="zh-CN" dirty="0" smtClean="0"/>
@@ -5440,11 +5404,7 @@
             </a:r>
             <a:r>
               <a:rPr lang="zh-CN" altLang="en-US" dirty="0" smtClean="0"/>
-              <a:t>权重更新</a:t>
-            </a:r>
-            <a:r>
-              <a:rPr lang="zh-CN" altLang="en-US" dirty="0" smtClean="0"/>
-              <a:t>规则</a:t>
+              <a:t>权重更新规则</a:t>
             </a:r>
             <a:endParaRPr lang="en-US" altLang="zh-CN" dirty="0" smtClean="0"/>
           </a:p>
@@ -5465,11 +5425,7 @@
             </a:r>
             <a:r>
               <a:rPr lang="zh-CN" altLang="en-US" sz="2800" dirty="0" smtClean="0"/>
-              <a:t>随机</a:t>
-            </a:r>
-            <a:r>
-              <a:rPr lang="zh-CN" altLang="en-US" sz="2800" dirty="0" smtClean="0"/>
-              <a:t>梯度下降法（</a:t>
+              <a:t>随机梯度下降法（</a:t>
             </a:r>
             <a:r>
               <a:rPr lang="en-US" altLang="zh-CN" sz="2800" dirty="0" smtClean="0"/>
@@ -5503,7 +5459,6 @@
               <a:rPr lang="en-US" sz="2800" dirty="0" smtClean="0"/>
               <a:t>      Adam</a:t>
             </a:r>
-            <a:endParaRPr lang="en-US" sz="2800" dirty="0" smtClean="0"/>
           </a:p>
           <a:p>
             <a:pPr>
@@ -5578,11 +5533,7 @@
           <a:p>
             <a:r>
               <a:rPr lang="zh-CN" altLang="en-US" dirty="0" smtClean="0"/>
-              <a:t>损失函数是模型对数据拟合程度的反映，拟合得越差、损失函数的值就应该越</a:t>
-            </a:r>
-            <a:r>
-              <a:rPr lang="zh-CN" altLang="en-US" dirty="0" smtClean="0"/>
-              <a:t>大</a:t>
+              <a:t>损失函数是模型对数据拟合程度的反映，拟合得越差、损失函数的值就应该越大</a:t>
             </a:r>
             <a:endParaRPr lang="en-US" altLang="zh-CN" dirty="0" smtClean="0"/>
           </a:p>
@@ -5621,11 +5572,7 @@
             </a:pPr>
             <a:r>
               <a:rPr lang="en-US" altLang="zh-CN" sz="2000" dirty="0" smtClean="0"/>
-              <a:t> </a:t>
-            </a:r>
-            <a:r>
-              <a:rPr lang="en-US" altLang="zh-CN" sz="2000" dirty="0" smtClean="0"/>
-              <a:t>  	</a:t>
+              <a:t>   	</a:t>
             </a:r>
             <a:r>
               <a:rPr lang="zh-CN" altLang="en-US" sz="2000" dirty="0" smtClean="0"/>
@@ -5641,7 +5588,6 @@
               <a:rPr lang="en-US" altLang="zh-CN" sz="2000" dirty="0" smtClean="0"/>
               <a:t>	</a:t>
             </a:r>
-            <a:endParaRPr lang="en-US" altLang="zh-CN" sz="2000" dirty="0" smtClean="0"/>
           </a:p>
           <a:p>
             <a:pPr>
@@ -5655,11 +5601,7 @@
             </a:pPr>
             <a:r>
               <a:rPr lang="en-US" altLang="zh-CN" sz="2000" dirty="0" smtClean="0"/>
-              <a:t> </a:t>
-            </a:r>
-            <a:r>
-              <a:rPr lang="en-US" altLang="zh-CN" sz="2000" dirty="0" smtClean="0"/>
-              <a:t>   	</a:t>
+              <a:t>    	</a:t>
             </a:r>
             <a:endParaRPr lang="zh-CN" altLang="en-US" sz="2000" dirty="0"/>
           </a:p>
@@ -5867,6 +5809,12 @@
     <a:masterClrMapping/>
   </p:clrMapOvr>
 </p:sld>
+</file>
+
+<file path=ppt/tags/tag1.xml><?xml version="1.0" encoding="utf-8"?>
+<p:tagLst xmlns:a="http://schemas.openxmlformats.org/drawingml/2006/main" xmlns:r="http://schemas.openxmlformats.org/officeDocument/2006/relationships" xmlns:p="http://schemas.openxmlformats.org/presentationml/2006/main">
+  <p:tag name="[PLUGINVER]" val="10"/>
+</p:tagLst>
 </file>
 
 <file path=ppt/theme/theme1.xml><?xml version="1.0" encoding="utf-8"?>
